--- a/presentation/group5_presentation.pptx
+++ b/presentation/group5_presentation.pptx
@@ -9,10 +9,15 @@
     <p:sldId id="257" r:id="rId3"/>
     <p:sldId id="265" r:id="rId4"/>
     <p:sldId id="258" r:id="rId5"/>
-    <p:sldId id="266" r:id="rId6"/>
-    <p:sldId id="267" r:id="rId7"/>
-    <p:sldId id="268" r:id="rId8"/>
-    <p:sldId id="264" r:id="rId9"/>
+    <p:sldId id="269" r:id="rId6"/>
+    <p:sldId id="270" r:id="rId7"/>
+    <p:sldId id="271" r:id="rId8"/>
+    <p:sldId id="272" r:id="rId9"/>
+    <p:sldId id="273" r:id="rId10"/>
+    <p:sldId id="266" r:id="rId11"/>
+    <p:sldId id="267" r:id="rId12"/>
+    <p:sldId id="268" r:id="rId13"/>
+    <p:sldId id="264" r:id="rId14"/>
   </p:sldIdLst>
   <p:sldSz cx="12192000" cy="6858000"/>
   <p:notesSz cx="6858000" cy="9144000"/>
@@ -111,6 +116,11 @@
       </a:defRPr>
     </a:lvl9pPr>
   </p:defaultTextStyle>
+  <p:extLst>
+    <p:ext uri="{EFAFB233-063F-42B5-8137-9DF3F51BA10A}">
+      <p15:sldGuideLst xmlns:p15="http://schemas.microsoft.com/office/powerpoint/2012/main"/>
+    </p:ext>
+  </p:extLst>
 </p:presentation>
 </file>
 
@@ -303,6 +313,18 @@
   <p:clrMapOvr>
     <a:masterClrMapping/>
   </p:clrMapOvr>
+  <mc:AlternateContent xmlns:mc="http://schemas.openxmlformats.org/markup-compatibility/2006">
+    <mc:Choice xmlns:p14="http://schemas.microsoft.com/office/powerpoint/2010/main" Requires="p14">
+      <p:transition spd="med" p14:dur="700">
+        <p:fade/>
+      </p:transition>
+    </mc:Choice>
+    <mc:Fallback>
+      <p:transition spd="med">
+        <p:fade/>
+      </p:transition>
+    </mc:Fallback>
+  </mc:AlternateContent>
 </p:sldLayout>
 </file>
 
@@ -473,6 +495,18 @@
   <p:clrMapOvr>
     <a:masterClrMapping/>
   </p:clrMapOvr>
+  <mc:AlternateContent xmlns:mc="http://schemas.openxmlformats.org/markup-compatibility/2006">
+    <mc:Choice xmlns:p14="http://schemas.microsoft.com/office/powerpoint/2010/main" Requires="p14">
+      <p:transition spd="med" p14:dur="700">
+        <p:fade/>
+      </p:transition>
+    </mc:Choice>
+    <mc:Fallback>
+      <p:transition spd="med">
+        <p:fade/>
+      </p:transition>
+    </mc:Fallback>
+  </mc:AlternateContent>
 </p:sldLayout>
 </file>
 
@@ -653,6 +687,18 @@
   <p:clrMapOvr>
     <a:masterClrMapping/>
   </p:clrMapOvr>
+  <mc:AlternateContent xmlns:mc="http://schemas.openxmlformats.org/markup-compatibility/2006">
+    <mc:Choice xmlns:p14="http://schemas.microsoft.com/office/powerpoint/2010/main" Requires="p14">
+      <p:transition spd="med" p14:dur="700">
+        <p:fade/>
+      </p:transition>
+    </mc:Choice>
+    <mc:Fallback>
+      <p:transition spd="med">
+        <p:fade/>
+      </p:transition>
+    </mc:Fallback>
+  </mc:AlternateContent>
 </p:sldLayout>
 </file>
 
@@ -823,6 +869,18 @@
   <p:clrMapOvr>
     <a:masterClrMapping/>
   </p:clrMapOvr>
+  <mc:AlternateContent xmlns:mc="http://schemas.openxmlformats.org/markup-compatibility/2006">
+    <mc:Choice xmlns:p14="http://schemas.microsoft.com/office/powerpoint/2010/main" Requires="p14">
+      <p:transition spd="med" p14:dur="700">
+        <p:fade/>
+      </p:transition>
+    </mc:Choice>
+    <mc:Fallback>
+      <p:transition spd="med">
+        <p:fade/>
+      </p:transition>
+    </mc:Fallback>
+  </mc:AlternateContent>
 </p:sldLayout>
 </file>
 
@@ -1069,6 +1127,18 @@
   <p:clrMapOvr>
     <a:masterClrMapping/>
   </p:clrMapOvr>
+  <mc:AlternateContent xmlns:mc="http://schemas.openxmlformats.org/markup-compatibility/2006">
+    <mc:Choice xmlns:p14="http://schemas.microsoft.com/office/powerpoint/2010/main" Requires="p14">
+      <p:transition spd="med" p14:dur="700">
+        <p:fade/>
+      </p:transition>
+    </mc:Choice>
+    <mc:Fallback>
+      <p:transition spd="med">
+        <p:fade/>
+      </p:transition>
+    </mc:Fallback>
+  </mc:AlternateContent>
 </p:sldLayout>
 </file>
 
@@ -1301,6 +1371,18 @@
   <p:clrMapOvr>
     <a:masterClrMapping/>
   </p:clrMapOvr>
+  <mc:AlternateContent xmlns:mc="http://schemas.openxmlformats.org/markup-compatibility/2006">
+    <mc:Choice xmlns:p14="http://schemas.microsoft.com/office/powerpoint/2010/main" Requires="p14">
+      <p:transition spd="med" p14:dur="700">
+        <p:fade/>
+      </p:transition>
+    </mc:Choice>
+    <mc:Fallback>
+      <p:transition spd="med">
+        <p:fade/>
+      </p:transition>
+    </mc:Fallback>
+  </mc:AlternateContent>
 </p:sldLayout>
 </file>
 
@@ -1668,6 +1750,18 @@
   <p:clrMapOvr>
     <a:masterClrMapping/>
   </p:clrMapOvr>
+  <mc:AlternateContent xmlns:mc="http://schemas.openxmlformats.org/markup-compatibility/2006">
+    <mc:Choice xmlns:p14="http://schemas.microsoft.com/office/powerpoint/2010/main" Requires="p14">
+      <p:transition spd="med" p14:dur="700">
+        <p:fade/>
+      </p:transition>
+    </mc:Choice>
+    <mc:Fallback>
+      <p:transition spd="med">
+        <p:fade/>
+      </p:transition>
+    </mc:Fallback>
+  </mc:AlternateContent>
 </p:sldLayout>
 </file>
 
@@ -1786,6 +1880,18 @@
   <p:clrMapOvr>
     <a:masterClrMapping/>
   </p:clrMapOvr>
+  <mc:AlternateContent xmlns:mc="http://schemas.openxmlformats.org/markup-compatibility/2006">
+    <mc:Choice xmlns:p14="http://schemas.microsoft.com/office/powerpoint/2010/main" Requires="p14">
+      <p:transition spd="med" p14:dur="700">
+        <p:fade/>
+      </p:transition>
+    </mc:Choice>
+    <mc:Fallback>
+      <p:transition spd="med">
+        <p:fade/>
+      </p:transition>
+    </mc:Fallback>
+  </mc:AlternateContent>
 </p:sldLayout>
 </file>
 
@@ -1881,6 +1987,18 @@
   <p:clrMapOvr>
     <a:masterClrMapping/>
   </p:clrMapOvr>
+  <mc:AlternateContent xmlns:mc="http://schemas.openxmlformats.org/markup-compatibility/2006">
+    <mc:Choice xmlns:p14="http://schemas.microsoft.com/office/powerpoint/2010/main" Requires="p14">
+      <p:transition spd="med" p14:dur="700">
+        <p:fade/>
+      </p:transition>
+    </mc:Choice>
+    <mc:Fallback>
+      <p:transition spd="med">
+        <p:fade/>
+      </p:transition>
+    </mc:Fallback>
+  </mc:AlternateContent>
 </p:sldLayout>
 </file>
 
@@ -2158,6 +2276,18 @@
   <p:clrMapOvr>
     <a:masterClrMapping/>
   </p:clrMapOvr>
+  <mc:AlternateContent xmlns:mc="http://schemas.openxmlformats.org/markup-compatibility/2006">
+    <mc:Choice xmlns:p14="http://schemas.microsoft.com/office/powerpoint/2010/main" Requires="p14">
+      <p:transition spd="med" p14:dur="700">
+        <p:fade/>
+      </p:transition>
+    </mc:Choice>
+    <mc:Fallback>
+      <p:transition spd="med">
+        <p:fade/>
+      </p:transition>
+    </mc:Fallback>
+  </mc:AlternateContent>
 </p:sldLayout>
 </file>
 
@@ -2411,6 +2541,18 @@
   <p:clrMapOvr>
     <a:masterClrMapping/>
   </p:clrMapOvr>
+  <mc:AlternateContent xmlns:mc="http://schemas.openxmlformats.org/markup-compatibility/2006">
+    <mc:Choice xmlns:p14="http://schemas.microsoft.com/office/powerpoint/2010/main" Requires="p14">
+      <p:transition spd="med" p14:dur="700">
+        <p:fade/>
+      </p:transition>
+    </mc:Choice>
+    <mc:Fallback>
+      <p:transition spd="med">
+        <p:fade/>
+      </p:transition>
+    </mc:Fallback>
+  </mc:AlternateContent>
 </p:sldLayout>
 </file>
 
@@ -2676,6 +2818,18 @@
     <p:sldLayoutId id="2147483658" r:id="rId10"/>
     <p:sldLayoutId id="2147483659" r:id="rId11"/>
   </p:sldLayoutIdLst>
+  <mc:AlternateContent xmlns:mc="http://schemas.openxmlformats.org/markup-compatibility/2006">
+    <mc:Choice xmlns:p14="http://schemas.microsoft.com/office/powerpoint/2010/main" Requires="p14">
+      <p:transition spd="med" p14:dur="700">
+        <p:fade/>
+      </p:transition>
+    </mc:Choice>
+    <mc:Fallback>
+      <p:transition spd="med">
+        <p:fade/>
+      </p:transition>
+    </mc:Fallback>
+  </mc:AlternateContent>
   <p:txStyles>
     <p:titleStyle>
       <a:lvl1pPr algn="l" defTabSz="914400" rtl="0" eaLnBrk="1" latinLnBrk="0" hangingPunct="1">
@@ -3107,6 +3261,781 @@
   <p:clrMapOvr>
     <a:masterClrMapping/>
   </p:clrMapOvr>
+  <mc:AlternateContent xmlns:mc="http://schemas.openxmlformats.org/markup-compatibility/2006">
+    <mc:Choice xmlns:p14="http://schemas.microsoft.com/office/powerpoint/2010/main" Requires="p14">
+      <p:transition spd="med" p14:dur="700">
+        <p:fade/>
+      </p:transition>
+    </mc:Choice>
+    <mc:Fallback>
+      <p:transition spd="med">
+        <p:fade/>
+      </p:transition>
+    </mc:Fallback>
+  </mc:AlternateContent>
+  <p:timing>
+    <p:tnLst>
+      <p:par>
+        <p:cTn id="1" dur="indefinite" restart="never" nodeType="tmRoot"/>
+      </p:par>
+    </p:tnLst>
+  </p:timing>
+</p:sld>
+</file>
+
+<file path=ppt/slides/slide10.xml><?xml version="1.0" encoding="utf-8"?>
+<p:sld xmlns:a="http://schemas.openxmlformats.org/drawingml/2006/main" xmlns:r="http://schemas.openxmlformats.org/officeDocument/2006/relationships" xmlns:p="http://schemas.openxmlformats.org/presentationml/2006/main">
+  <p:cSld>
+    <p:spTree>
+      <p:nvGrpSpPr>
+        <p:cNvPr id="1" name=""/>
+        <p:cNvGrpSpPr/>
+        <p:nvPr/>
+      </p:nvGrpSpPr>
+      <p:grpSpPr>
+        <a:xfrm>
+          <a:off x="0" y="0"/>
+          <a:ext cx="0" cy="0"/>
+          <a:chOff x="0" y="0"/>
+          <a:chExt cx="0" cy="0"/>
+        </a:xfrm>
+      </p:grpSpPr>
+      <p:sp>
+        <p:nvSpPr>
+          <p:cNvPr id="2" name="Title 1"/>
+          <p:cNvSpPr>
+            <a:spLocks noGrp="1"/>
+          </p:cNvSpPr>
+          <p:nvPr>
+            <p:ph type="title"/>
+          </p:nvPr>
+        </p:nvSpPr>
+        <p:spPr/>
+        <p:txBody>
+          <a:bodyPr/>
+          <a:lstStyle/>
+          <a:p>
+            <a:r>
+              <a:rPr lang="en-GB" dirty="0" smtClean="0"/>
+              <a:t>States</a:t>
+            </a:r>
+            <a:endParaRPr lang="en-GB" dirty="0"/>
+          </a:p>
+        </p:txBody>
+      </p:sp>
+      <p:sp>
+        <p:nvSpPr>
+          <p:cNvPr id="3" name="Content Placeholder 2"/>
+          <p:cNvSpPr>
+            <a:spLocks noGrp="1"/>
+          </p:cNvSpPr>
+          <p:nvPr>
+            <p:ph idx="1"/>
+          </p:nvPr>
+        </p:nvSpPr>
+        <p:spPr/>
+        <p:txBody>
+          <a:bodyPr>
+            <a:normAutofit/>
+          </a:bodyPr>
+          <a:lstStyle/>
+          <a:p>
+            <a:pPr marL="514350" indent="-514350">
+              <a:buFont typeface="+mj-lt"/>
+              <a:buAutoNum type="arabicPeriod"/>
+            </a:pPr>
+            <a:r>
+              <a:rPr lang="en-GB" dirty="0" smtClean="0"/>
+              <a:t>Anyone </a:t>
+            </a:r>
+            <a:r>
+              <a:rPr lang="en-GB" dirty="0"/>
+              <a:t>is able to submit a </a:t>
+            </a:r>
+            <a:r>
+              <a:rPr lang="en-GB" dirty="0" smtClean="0"/>
+              <a:t>challenge</a:t>
+            </a:r>
+          </a:p>
+          <a:p>
+            <a:pPr lvl="1"/>
+            <a:r>
+              <a:rPr lang="en-GB" dirty="0" smtClean="0"/>
+              <a:t>When no previous problem</a:t>
+            </a:r>
+            <a:endParaRPr lang="en-GB" dirty="0"/>
+          </a:p>
+          <a:p>
+            <a:pPr marL="514350" indent="-514350">
+              <a:buFont typeface="+mj-lt"/>
+              <a:buAutoNum type="arabicPeriod"/>
+            </a:pPr>
+            <a:r>
+              <a:rPr lang="en-GB" dirty="0" smtClean="0"/>
+              <a:t>The </a:t>
+            </a:r>
+            <a:r>
+              <a:rPr lang="en-GB" dirty="0"/>
+              <a:t>QM can set a challenge</a:t>
+            </a:r>
+          </a:p>
+          <a:p>
+            <a:pPr lvl="1"/>
+            <a:r>
+              <a:rPr lang="en-GB" dirty="0" smtClean="0"/>
+              <a:t>Previous challenge ended; that challenge’s winner is new QM</a:t>
+            </a:r>
+            <a:endParaRPr lang="en-GB" dirty="0"/>
+          </a:p>
+          <a:p>
+            <a:pPr marL="514350" indent="-514350">
+              <a:buFont typeface="+mj-lt"/>
+              <a:buAutoNum type="arabicPeriod"/>
+            </a:pPr>
+            <a:r>
+              <a:rPr lang="en-GB" dirty="0" smtClean="0"/>
+              <a:t>The </a:t>
+            </a:r>
+            <a:r>
+              <a:rPr lang="en-GB" dirty="0"/>
+              <a:t>solvers can submit solutions</a:t>
+            </a:r>
+          </a:p>
+          <a:p>
+            <a:pPr lvl="1"/>
+            <a:r>
+              <a:rPr lang="en-GB" dirty="0" smtClean="0"/>
+              <a:t>QM has submitted challenge and it hasn’t expired</a:t>
+            </a:r>
+          </a:p>
+          <a:p>
+            <a:pPr lvl="1"/>
+            <a:r>
+              <a:rPr lang="en-GB" dirty="0" smtClean="0"/>
+              <a:t>One solution for each solver</a:t>
+            </a:r>
+            <a:endParaRPr lang="en-GB" dirty="0"/>
+          </a:p>
+          <a:p>
+            <a:pPr marL="514350" indent="-514350">
+              <a:buFont typeface="+mj-lt"/>
+              <a:buAutoNum type="arabicPeriod"/>
+            </a:pPr>
+            <a:r>
+              <a:rPr lang="en-GB" dirty="0"/>
+              <a:t>The QM can grade the </a:t>
+            </a:r>
+            <a:r>
+              <a:rPr lang="en-GB" dirty="0" smtClean="0"/>
+              <a:t>solutions</a:t>
+            </a:r>
+          </a:p>
+          <a:p>
+            <a:pPr lvl="1"/>
+            <a:r>
+              <a:rPr lang="en-GB" dirty="0" smtClean="0"/>
+              <a:t>All the registered users have submitted solutions OR expiry time reached</a:t>
+            </a:r>
+            <a:endParaRPr lang="en-GB" dirty="0"/>
+          </a:p>
+        </p:txBody>
+      </p:sp>
+    </p:spTree>
+    <p:extLst>
+      <p:ext uri="{BB962C8B-B14F-4D97-AF65-F5344CB8AC3E}">
+        <p14:creationId xmlns:p14="http://schemas.microsoft.com/office/powerpoint/2010/main" val="2769886373"/>
+      </p:ext>
+    </p:extLst>
+  </p:cSld>
+  <p:clrMapOvr>
+    <a:masterClrMapping/>
+  </p:clrMapOvr>
+  <mc:AlternateContent xmlns:mc="http://schemas.openxmlformats.org/markup-compatibility/2006">
+    <mc:Choice xmlns:p14="http://schemas.microsoft.com/office/powerpoint/2010/main" Requires="p14">
+      <p:transition spd="med" p14:dur="700">
+        <p:fade/>
+      </p:transition>
+    </mc:Choice>
+    <mc:Fallback>
+      <p:transition spd="med">
+        <p:fade/>
+      </p:transition>
+    </mc:Fallback>
+  </mc:AlternateContent>
+  <p:timing>
+    <p:tnLst>
+      <p:par>
+        <p:cTn id="1" dur="indefinite" restart="never" nodeType="tmRoot"/>
+      </p:par>
+    </p:tnLst>
+  </p:timing>
+</p:sld>
+</file>
+
+<file path=ppt/slides/slide11.xml><?xml version="1.0" encoding="utf-8"?>
+<p:sld xmlns:a="http://schemas.openxmlformats.org/drawingml/2006/main" xmlns:r="http://schemas.openxmlformats.org/officeDocument/2006/relationships" xmlns:p="http://schemas.openxmlformats.org/presentationml/2006/main">
+  <p:cSld>
+    <p:spTree>
+      <p:nvGrpSpPr>
+        <p:cNvPr id="1" name=""/>
+        <p:cNvGrpSpPr/>
+        <p:nvPr/>
+      </p:nvGrpSpPr>
+      <p:grpSpPr>
+        <a:xfrm>
+          <a:off x="0" y="0"/>
+          <a:ext cx="0" cy="0"/>
+          <a:chOff x="0" y="0"/>
+          <a:chExt cx="0" cy="0"/>
+        </a:xfrm>
+      </p:grpSpPr>
+      <p:sp>
+        <p:nvSpPr>
+          <p:cNvPr id="2" name="Title 1"/>
+          <p:cNvSpPr>
+            <a:spLocks noGrp="1"/>
+          </p:cNvSpPr>
+          <p:nvPr>
+            <p:ph type="title"/>
+          </p:nvPr>
+        </p:nvSpPr>
+        <p:spPr/>
+        <p:txBody>
+          <a:bodyPr/>
+          <a:lstStyle/>
+          <a:p>
+            <a:r>
+              <a:rPr lang="en-GB" dirty="0" smtClean="0"/>
+              <a:t>Structural base</a:t>
+            </a:r>
+            <a:endParaRPr lang="en-GB" dirty="0"/>
+          </a:p>
+        </p:txBody>
+      </p:sp>
+      <p:sp>
+        <p:nvSpPr>
+          <p:cNvPr id="3" name="Content Placeholder 2"/>
+          <p:cNvSpPr>
+            <a:spLocks noGrp="1"/>
+          </p:cNvSpPr>
+          <p:nvPr>
+            <p:ph idx="1"/>
+          </p:nvPr>
+        </p:nvSpPr>
+        <p:spPr/>
+        <p:txBody>
+          <a:bodyPr/>
+          <a:lstStyle/>
+          <a:p>
+            <a:pPr marL="0" indent="0">
+              <a:buNone/>
+            </a:pPr>
+            <a:r>
+              <a:rPr lang="en-GB" dirty="0" smtClean="0"/>
+              <a:t>Rails-on-Ruby (and SQLite)</a:t>
+            </a:r>
+          </a:p>
+          <a:p>
+            <a:pPr lvl="1"/>
+            <a:r>
+              <a:rPr lang="en-GB" dirty="0" smtClean="0"/>
+              <a:t>Widely used ∴ widely documented</a:t>
+            </a:r>
+          </a:p>
+          <a:p>
+            <a:pPr lvl="1"/>
+            <a:r>
+              <a:rPr lang="en-GB" dirty="0" smtClean="0"/>
+              <a:t>Fast and powerful</a:t>
+            </a:r>
+          </a:p>
+          <a:p>
+            <a:pPr lvl="1"/>
+            <a:r>
+              <a:rPr lang="en-GB" dirty="0" smtClean="0"/>
+              <a:t>Ruby was new to us so good to try out </a:t>
+            </a:r>
+          </a:p>
+          <a:p>
+            <a:pPr lvl="1"/>
+            <a:endParaRPr lang="en-GB" dirty="0" smtClean="0"/>
+          </a:p>
+          <a:p>
+            <a:pPr marL="0" indent="0">
+              <a:buNone/>
+            </a:pPr>
+            <a:r>
+              <a:rPr lang="en-GB" dirty="0" smtClean="0"/>
+              <a:t>Bootstrap</a:t>
+            </a:r>
+          </a:p>
+          <a:p>
+            <a:pPr lvl="1"/>
+            <a:r>
+              <a:rPr lang="en-GB" dirty="0" smtClean="0"/>
+              <a:t>Elements for alerts etc. built-in</a:t>
+            </a:r>
+          </a:p>
+          <a:p>
+            <a:pPr lvl="1"/>
+            <a:r>
+              <a:rPr lang="en-GB" dirty="0" smtClean="0"/>
+              <a:t>Huge range of structural elements – e.g. our FAQ uses an accordion, alerts returned use warning/danger classes to stand out, etc.</a:t>
+            </a:r>
+            <a:endParaRPr lang="en-GB" dirty="0"/>
+          </a:p>
+        </p:txBody>
+      </p:sp>
+    </p:spTree>
+    <p:extLst>
+      <p:ext uri="{BB962C8B-B14F-4D97-AF65-F5344CB8AC3E}">
+        <p14:creationId xmlns:p14="http://schemas.microsoft.com/office/powerpoint/2010/main" val="3444070513"/>
+      </p:ext>
+    </p:extLst>
+  </p:cSld>
+  <p:clrMapOvr>
+    <a:masterClrMapping/>
+  </p:clrMapOvr>
+  <mc:AlternateContent xmlns:mc="http://schemas.openxmlformats.org/markup-compatibility/2006">
+    <mc:Choice xmlns:p14="http://schemas.microsoft.com/office/powerpoint/2010/main" Requires="p14">
+      <p:transition spd="med" p14:dur="700">
+        <p:fade/>
+      </p:transition>
+    </mc:Choice>
+    <mc:Fallback>
+      <p:transition spd="med">
+        <p:fade/>
+      </p:transition>
+    </mc:Fallback>
+  </mc:AlternateContent>
+  <p:timing>
+    <p:tnLst>
+      <p:par>
+        <p:cTn id="1" dur="indefinite" restart="never" nodeType="tmRoot"/>
+      </p:par>
+    </p:tnLst>
+  </p:timing>
+</p:sld>
+</file>
+
+<file path=ppt/slides/slide12.xml><?xml version="1.0" encoding="utf-8"?>
+<p:sld xmlns:a="http://schemas.openxmlformats.org/drawingml/2006/main" xmlns:r="http://schemas.openxmlformats.org/officeDocument/2006/relationships" xmlns:p="http://schemas.openxmlformats.org/presentationml/2006/main">
+  <p:cSld>
+    <p:spTree>
+      <p:nvGrpSpPr>
+        <p:cNvPr id="1" name=""/>
+        <p:cNvGrpSpPr/>
+        <p:nvPr/>
+      </p:nvGrpSpPr>
+      <p:grpSpPr>
+        <a:xfrm>
+          <a:off x="0" y="0"/>
+          <a:ext cx="0" cy="0"/>
+          <a:chOff x="0" y="0"/>
+          <a:chExt cx="0" cy="0"/>
+        </a:xfrm>
+      </p:grpSpPr>
+      <p:sp>
+        <p:nvSpPr>
+          <p:cNvPr id="2" name="Title 1"/>
+          <p:cNvSpPr>
+            <a:spLocks noGrp="1"/>
+          </p:cNvSpPr>
+          <p:nvPr>
+            <p:ph type="title"/>
+          </p:nvPr>
+        </p:nvSpPr>
+        <p:spPr/>
+        <p:txBody>
+          <a:bodyPr/>
+          <a:lstStyle/>
+          <a:p>
+            <a:r>
+              <a:rPr lang="en-GB" dirty="0" smtClean="0"/>
+              <a:t>Group dynamics</a:t>
+            </a:r>
+            <a:endParaRPr lang="en-GB" dirty="0"/>
+          </a:p>
+        </p:txBody>
+      </p:sp>
+      <p:sp>
+        <p:nvSpPr>
+          <p:cNvPr id="3" name="Content Placeholder 2"/>
+          <p:cNvSpPr>
+            <a:spLocks noGrp="1"/>
+          </p:cNvSpPr>
+          <p:nvPr>
+            <p:ph idx="1"/>
+          </p:nvPr>
+        </p:nvSpPr>
+        <p:spPr/>
+        <p:txBody>
+          <a:bodyPr/>
+          <a:lstStyle/>
+          <a:p>
+            <a:pPr marL="0" indent="0">
+              <a:buNone/>
+            </a:pPr>
+            <a:r>
+              <a:rPr lang="en-GB" dirty="0" smtClean="0"/>
+              <a:t>Kept up using Slack and Git!</a:t>
+            </a:r>
+          </a:p>
+          <a:p>
+            <a:pPr marL="0" indent="0">
+              <a:buNone/>
+            </a:pPr>
+            <a:r>
+              <a:rPr lang="en-GB" dirty="0" smtClean="0"/>
+              <a:t>Late start (but who didn’t have one)</a:t>
+            </a:r>
+          </a:p>
+          <a:p>
+            <a:pPr marL="0" indent="0">
+              <a:buNone/>
+            </a:pPr>
+            <a:r>
+              <a:rPr lang="en-GB" dirty="0" smtClean="0"/>
+              <a:t>Each of us had individual roles… with lots of room for overlap</a:t>
+            </a:r>
+          </a:p>
+          <a:p>
+            <a:pPr marL="0" indent="0">
+              <a:buNone/>
+            </a:pPr>
+            <a:r>
+              <a:rPr lang="en-GB" dirty="0" smtClean="0"/>
+              <a:t>Windows vs Unix</a:t>
+            </a:r>
+          </a:p>
+          <a:p>
+            <a:endParaRPr lang="en-GB" dirty="0"/>
+          </a:p>
+        </p:txBody>
+      </p:sp>
+      <p:grpSp>
+        <p:nvGrpSpPr>
+          <p:cNvPr id="7" name="Group 6"/>
+          <p:cNvGrpSpPr/>
+          <p:nvPr/>
+        </p:nvGrpSpPr>
+        <p:grpSpPr>
+          <a:xfrm>
+            <a:off x="1596190" y="4231983"/>
+            <a:ext cx="3400926" cy="2069432"/>
+            <a:chOff x="966537" y="4242468"/>
+            <a:chExt cx="3400926" cy="2069432"/>
+          </a:xfrm>
+        </p:grpSpPr>
+        <p:pic>
+          <p:nvPicPr>
+            <p:cNvPr id="4" name="Picture 3"/>
+            <p:cNvPicPr>
+              <a:picLocks noChangeAspect="1"/>
+            </p:cNvPicPr>
+            <p:nvPr/>
+          </p:nvPicPr>
+          <p:blipFill rotWithShape="1">
+            <a:blip r:embed="rId2"/>
+            <a:srcRect l="4258" t="41961" r="91704" b="28195"/>
+            <a:stretch/>
+          </p:blipFill>
+          <p:spPr>
+            <a:xfrm>
+              <a:off x="966537" y="4242468"/>
+              <a:ext cx="525379" cy="2069432"/>
+            </a:xfrm>
+            <a:prstGeom prst="rect">
+              <a:avLst/>
+            </a:prstGeom>
+          </p:spPr>
+        </p:pic>
+        <p:pic>
+          <p:nvPicPr>
+            <p:cNvPr id="5" name="Picture 4"/>
+            <p:cNvPicPr>
+              <a:picLocks noChangeAspect="1"/>
+            </p:cNvPicPr>
+            <p:nvPr/>
+          </p:nvPicPr>
+          <p:blipFill rotWithShape="1">
+            <a:blip r:embed="rId2"/>
+            <a:srcRect l="68833" t="41961" r="8943" b="28195"/>
+            <a:stretch/>
+          </p:blipFill>
+          <p:spPr>
+            <a:xfrm>
+              <a:off x="1475874" y="4242468"/>
+              <a:ext cx="2891589" cy="2069432"/>
+            </a:xfrm>
+            <a:prstGeom prst="rect">
+              <a:avLst/>
+            </a:prstGeom>
+          </p:spPr>
+        </p:pic>
+      </p:grpSp>
+      <p:pic>
+        <p:nvPicPr>
+          <p:cNvPr id="6" name="Picture 5"/>
+          <p:cNvPicPr>
+            <a:picLocks noChangeAspect="1"/>
+          </p:cNvPicPr>
+          <p:nvPr/>
+        </p:nvPicPr>
+        <p:blipFill>
+          <a:blip r:embed="rId3"/>
+          <a:stretch>
+            <a:fillRect/>
+          </a:stretch>
+        </p:blipFill>
+        <p:spPr>
+          <a:xfrm>
+            <a:off x="5755106" y="4524709"/>
+            <a:ext cx="5257800" cy="1504950"/>
+          </a:xfrm>
+          <a:prstGeom prst="rect">
+            <a:avLst/>
+          </a:prstGeom>
+          <a:solidFill>
+            <a:srgbClr val="FFFFFF">
+              <a:shade val="85000"/>
+            </a:srgbClr>
+          </a:solidFill>
+          <a:ln w="88900" cap="sq">
+            <a:solidFill>
+              <a:srgbClr val="FFFFFF"/>
+            </a:solidFill>
+            <a:miter lim="800000"/>
+          </a:ln>
+          <a:effectLst>
+            <a:outerShdw blurRad="55000" dist="18000" dir="5400000" algn="tl" rotWithShape="0">
+              <a:srgbClr val="000000">
+                <a:alpha val="40000"/>
+              </a:srgbClr>
+            </a:outerShdw>
+          </a:effectLst>
+          <a:scene3d>
+            <a:camera prst="orthographicFront"/>
+            <a:lightRig rig="twoPt" dir="t">
+              <a:rot lat="0" lon="0" rev="7200000"/>
+            </a:lightRig>
+          </a:scene3d>
+          <a:sp3d>
+            <a:bevelT w="25400" h="19050"/>
+            <a:contourClr>
+              <a:srgbClr val="FFFFFF"/>
+            </a:contourClr>
+          </a:sp3d>
+        </p:spPr>
+      </p:pic>
+    </p:spTree>
+    <p:extLst>
+      <p:ext uri="{BB962C8B-B14F-4D97-AF65-F5344CB8AC3E}">
+        <p14:creationId xmlns:p14="http://schemas.microsoft.com/office/powerpoint/2010/main" val="409800103"/>
+      </p:ext>
+    </p:extLst>
+  </p:cSld>
+  <p:clrMapOvr>
+    <a:masterClrMapping/>
+  </p:clrMapOvr>
+  <mc:AlternateContent xmlns:mc="http://schemas.openxmlformats.org/markup-compatibility/2006">
+    <mc:Choice xmlns:p14="http://schemas.microsoft.com/office/powerpoint/2010/main" Requires="p14">
+      <p:transition spd="med" p14:dur="700">
+        <p:fade/>
+      </p:transition>
+    </mc:Choice>
+    <mc:Fallback>
+      <p:transition spd="med">
+        <p:fade/>
+      </p:transition>
+    </mc:Fallback>
+  </mc:AlternateContent>
+  <p:timing>
+    <p:tnLst>
+      <p:par>
+        <p:cTn id="1" dur="indefinite" restart="never" nodeType="tmRoot"/>
+      </p:par>
+    </p:tnLst>
+  </p:timing>
+</p:sld>
+</file>
+
+<file path=ppt/slides/slide13.xml><?xml version="1.0" encoding="utf-8"?>
+<p:sld xmlns:a="http://schemas.openxmlformats.org/drawingml/2006/main" xmlns:r="http://schemas.openxmlformats.org/officeDocument/2006/relationships" xmlns:p="http://schemas.openxmlformats.org/presentationml/2006/main">
+  <p:cSld>
+    <p:spTree>
+      <p:nvGrpSpPr>
+        <p:cNvPr id="1" name=""/>
+        <p:cNvGrpSpPr/>
+        <p:nvPr/>
+      </p:nvGrpSpPr>
+      <p:grpSpPr>
+        <a:xfrm>
+          <a:off x="0" y="0"/>
+          <a:ext cx="0" cy="0"/>
+          <a:chOff x="0" y="0"/>
+          <a:chExt cx="0" cy="0"/>
+        </a:xfrm>
+      </p:grpSpPr>
+      <p:pic>
+        <p:nvPicPr>
+          <p:cNvPr id="2" name="Picture 1"/>
+          <p:cNvPicPr>
+            <a:picLocks noChangeAspect="1"/>
+          </p:cNvPicPr>
+          <p:nvPr/>
+        </p:nvPicPr>
+        <p:blipFill>
+          <a:blip r:embed="rId2">
+            <a:extLst>
+              <a:ext uri="{28A0092B-C50C-407E-A947-70E740481C1C}">
+                <a14:useLocalDpi xmlns:a14="http://schemas.microsoft.com/office/drawing/2010/main" val="0"/>
+              </a:ext>
+            </a:extLst>
+          </a:blip>
+          <a:stretch>
+            <a:fillRect/>
+          </a:stretch>
+        </p:blipFill>
+        <p:spPr>
+          <a:xfrm>
+            <a:off x="6079958" y="1171075"/>
+            <a:ext cx="3352800" cy="3352800"/>
+          </a:xfrm>
+          <a:prstGeom prst="rect">
+            <a:avLst/>
+          </a:prstGeom>
+        </p:spPr>
+      </p:pic>
+      <p:sp>
+        <p:nvSpPr>
+          <p:cNvPr id="4" name="Title 3"/>
+          <p:cNvSpPr>
+            <a:spLocks noGrp="1"/>
+          </p:cNvSpPr>
+          <p:nvPr>
+            <p:ph type="ctrTitle"/>
+          </p:nvPr>
+        </p:nvSpPr>
+        <p:spPr>
+          <a:xfrm>
+            <a:off x="3192379" y="2253916"/>
+            <a:ext cx="2903621" cy="1507958"/>
+          </a:xfrm>
+        </p:spPr>
+        <p:txBody>
+          <a:bodyPr>
+            <a:normAutofit/>
+          </a:bodyPr>
+          <a:lstStyle/>
+          <a:p>
+            <a:r>
+              <a:rPr lang="en-GB" sz="9600" dirty="0" smtClean="0">
+                <a:latin typeface="Lavanderia Regular" pitchFamily="50" charset="0"/>
+              </a:rPr>
+              <a:t>Fin.</a:t>
+            </a:r>
+            <a:endParaRPr lang="en-GB" sz="9600" dirty="0">
+              <a:latin typeface="Lavanderia Regular" pitchFamily="50" charset="0"/>
+            </a:endParaRPr>
+          </a:p>
+        </p:txBody>
+      </p:sp>
+      <p:sp>
+        <p:nvSpPr>
+          <p:cNvPr id="5" name="Subtitle 4"/>
+          <p:cNvSpPr>
+            <a:spLocks noGrp="1"/>
+          </p:cNvSpPr>
+          <p:nvPr>
+            <p:ph type="subTitle" idx="1"/>
+          </p:nvPr>
+        </p:nvSpPr>
+        <p:spPr>
+          <a:xfrm>
+            <a:off x="1524000" y="4131429"/>
+            <a:ext cx="9144000" cy="1655762"/>
+          </a:xfrm>
+        </p:spPr>
+        <p:txBody>
+          <a:bodyPr/>
+          <a:lstStyle/>
+          <a:p>
+            <a:r>
+              <a:rPr lang="en-GB" dirty="0" smtClean="0">
+                <a:latin typeface="+mj-lt"/>
+              </a:rPr>
+              <a:t>Huge thanks to Ivo (our supervisor),</a:t>
+            </a:r>
+          </a:p>
+          <a:p>
+            <a:r>
+              <a:rPr lang="en-GB" dirty="0" smtClean="0">
+                <a:latin typeface="+mj-lt"/>
+              </a:rPr>
+              <a:t>and to Tom (our sponsor from </a:t>
+            </a:r>
+            <a:r>
+              <a:rPr lang="en-GB" dirty="0" err="1" smtClean="0">
+                <a:latin typeface="+mj-lt"/>
+              </a:rPr>
+              <a:t>Palantir</a:t>
+            </a:r>
+            <a:r>
+              <a:rPr lang="en-GB" dirty="0" smtClean="0">
+                <a:latin typeface="+mj-lt"/>
+              </a:rPr>
+              <a:t>)</a:t>
+            </a:r>
+            <a:r>
+              <a:rPr lang="en-GB" dirty="0" smtClean="0"/>
+              <a:t>,</a:t>
+            </a:r>
+            <a:endParaRPr lang="en-GB" dirty="0" smtClean="0">
+              <a:latin typeface="+mj-lt"/>
+            </a:endParaRPr>
+          </a:p>
+          <a:p>
+            <a:r>
+              <a:rPr lang="en-GB" dirty="0" smtClean="0">
+                <a:latin typeface="+mj-lt"/>
+              </a:rPr>
+              <a:t>and to all of you for </a:t>
+            </a:r>
+            <a:r>
+              <a:rPr lang="en-GB" dirty="0" smtClean="0">
+                <a:latin typeface="+mj-lt"/>
+              </a:rPr>
+              <a:t>listening!</a:t>
+            </a:r>
+            <a:endParaRPr lang="en-GB" dirty="0">
+              <a:latin typeface="+mj-lt"/>
+            </a:endParaRPr>
+          </a:p>
+        </p:txBody>
+      </p:sp>
+    </p:spTree>
+    <p:extLst>
+      <p:ext uri="{BB962C8B-B14F-4D97-AF65-F5344CB8AC3E}">
+        <p14:creationId xmlns:p14="http://schemas.microsoft.com/office/powerpoint/2010/main" val="1397988848"/>
+      </p:ext>
+    </p:extLst>
+  </p:cSld>
+  <p:clrMapOvr>
+    <a:masterClrMapping/>
+  </p:clrMapOvr>
+  <mc:AlternateContent xmlns:mc="http://schemas.openxmlformats.org/markup-compatibility/2006">
+    <mc:Choice xmlns:p14="http://schemas.microsoft.com/office/powerpoint/2010/main" Requires="p14">
+      <p:transition spd="med" p14:dur="700">
+        <p:fade/>
+      </p:transition>
+    </mc:Choice>
+    <mc:Fallback>
+      <p:transition spd="med">
+        <p:fade/>
+      </p:transition>
+    </mc:Fallback>
+  </mc:AlternateContent>
   <p:timing>
     <p:tnLst>
       <p:par>
@@ -3207,17 +4136,8 @@
             </a:pPr>
             <a:r>
               <a:rPr lang="en-GB" dirty="0" smtClean="0"/>
-              <a:t>Each round of tournament has a question-master, who sets the challenge </a:t>
-            </a:r>
-            <a:r>
-              <a:rPr lang="en-GB" dirty="0" smtClean="0"/>
-              <a:t>and</a:t>
-            </a:r>
-            <a:r>
-              <a:rPr lang="en-GB" dirty="0" smtClean="0"/>
-              <a:t> timescale, and scores the solutions afterwards</a:t>
-            </a:r>
-            <a:endParaRPr lang="en-GB" dirty="0" smtClean="0"/>
+              <a:t>Each round of tournament has a question-master, who sets the challenge and timescale, and scores the solutions afterwards</a:t>
+            </a:r>
           </a:p>
           <a:p>
             <a:pPr marL="0" indent="0">
@@ -3240,6 +4160,18 @@
   <p:clrMapOvr>
     <a:masterClrMapping/>
   </p:clrMapOvr>
+  <mc:AlternateContent xmlns:mc="http://schemas.openxmlformats.org/markup-compatibility/2006">
+    <mc:Choice xmlns:p14="http://schemas.microsoft.com/office/powerpoint/2010/main" Requires="p14">
+      <p:transition spd="med" p14:dur="700">
+        <p:fade/>
+      </p:transition>
+    </mc:Choice>
+    <mc:Fallback>
+      <p:transition spd="med">
+        <p:fade/>
+      </p:transition>
+    </mc:Fallback>
+  </mc:AlternateContent>
   <p:timing>
     <p:tnLst>
       <p:par>
@@ -3842,6 +4774,18 @@
   <p:clrMapOvr>
     <a:masterClrMapping/>
   </p:clrMapOvr>
+  <mc:AlternateContent xmlns:mc="http://schemas.openxmlformats.org/markup-compatibility/2006">
+    <mc:Choice xmlns:p14="http://schemas.microsoft.com/office/powerpoint/2010/main" Requires="p14">
+      <p:transition spd="med" p14:dur="700">
+        <p:fade/>
+      </p:transition>
+    </mc:Choice>
+    <mc:Fallback>
+      <p:transition spd="med">
+        <p:fade/>
+      </p:transition>
+    </mc:Fallback>
+  </mc:AlternateContent>
   <p:timing>
     <p:tnLst>
       <p:par>
@@ -3892,28 +4836,68 @@
           </a:p>
         </p:txBody>
       </p:sp>
-      <p:sp>
-        <p:nvSpPr>
-          <p:cNvPr id="3" name="Content Placeholder 2"/>
-          <p:cNvSpPr>
-            <a:spLocks noGrp="1"/>
-          </p:cNvSpPr>
+      <p:pic>
+        <p:nvPicPr>
+          <p:cNvPr id="5" name="Content Placeholder 4"/>
+          <p:cNvPicPr>
+            <a:picLocks noGrp="1" noChangeAspect="1"/>
+          </p:cNvPicPr>
           <p:nvPr>
             <p:ph idx="1"/>
           </p:nvPr>
-        </p:nvSpPr>
-        <p:spPr/>
-        <p:txBody>
-          <a:bodyPr/>
-          <a:lstStyle/>
-          <a:p>
-            <a:pPr marL="0" indent="0">
-              <a:buNone/>
-            </a:pPr>
-            <a:endParaRPr lang="en-GB" dirty="0"/>
-          </a:p>
-        </p:txBody>
-      </p:sp>
+        </p:nvPicPr>
+        <p:blipFill>
+          <a:blip r:embed="rId2">
+            <a:extLst>
+              <a:ext uri="{28A0092B-C50C-407E-A947-70E740481C1C}">
+                <a14:useLocalDpi xmlns:a14="http://schemas.microsoft.com/office/drawing/2010/main" val="0"/>
+              </a:ext>
+            </a:extLst>
+          </a:blip>
+          <a:stretch>
+            <a:fillRect/>
+          </a:stretch>
+        </p:blipFill>
+        <p:spPr>
+          <a:xfrm>
+            <a:off x="1323679" y="1825625"/>
+            <a:ext cx="9544641" cy="4351338"/>
+          </a:xfrm>
+          <a:prstGeom prst="rect">
+            <a:avLst/>
+          </a:prstGeom>
+          <a:solidFill>
+            <a:srgbClr val="FFFFFF">
+              <a:shade val="85000"/>
+            </a:srgbClr>
+          </a:solidFill>
+          <a:ln w="88900" cap="sq">
+            <a:solidFill>
+              <a:srgbClr val="FFFFFF"/>
+            </a:solidFill>
+            <a:miter lim="800000"/>
+          </a:ln>
+          <a:effectLst>
+            <a:outerShdw blurRad="55000" dist="18000" dir="5400000" algn="tl" rotWithShape="0">
+              <a:srgbClr val="000000">
+                <a:alpha val="40000"/>
+              </a:srgbClr>
+            </a:outerShdw>
+          </a:effectLst>
+          <a:scene3d>
+            <a:camera prst="orthographicFront"/>
+            <a:lightRig rig="twoPt" dir="t">
+              <a:rot lat="0" lon="0" rev="7200000"/>
+            </a:lightRig>
+          </a:scene3d>
+          <a:sp3d>
+            <a:bevelT w="25400" h="19050"/>
+            <a:contourClr>
+              <a:srgbClr val="FFFFFF"/>
+            </a:contourClr>
+          </a:sp3d>
+        </p:spPr>
+      </p:pic>
     </p:spTree>
     <p:extLst>
       <p:ext uri="{BB962C8B-B14F-4D97-AF65-F5344CB8AC3E}">
@@ -3924,6 +4908,18 @@
   <p:clrMapOvr>
     <a:masterClrMapping/>
   </p:clrMapOvr>
+  <mc:AlternateContent xmlns:mc="http://schemas.openxmlformats.org/markup-compatibility/2006">
+    <mc:Choice xmlns:p14="http://schemas.microsoft.com/office/powerpoint/2010/main" Requires="p14">
+      <p:transition spd="med" p14:dur="700">
+        <p:fade/>
+      </p:transition>
+    </mc:Choice>
+    <mc:Fallback>
+      <p:transition spd="med">
+        <p:fade/>
+      </p:transition>
+    </mc:Fallback>
+  </mc:AlternateContent>
   <p:timing>
     <p:tnLst>
       <p:par>
@@ -3968,139 +4964,103 @@
           <a:p>
             <a:r>
               <a:rPr lang="en-GB" dirty="0" smtClean="0"/>
-              <a:t>States</a:t>
+              <a:t>Problem lifecycle</a:t>
             </a:r>
             <a:endParaRPr lang="en-GB" dirty="0"/>
           </a:p>
         </p:txBody>
       </p:sp>
-      <p:sp>
-        <p:nvSpPr>
-          <p:cNvPr id="3" name="Content Placeholder 2"/>
-          <p:cNvSpPr>
-            <a:spLocks noGrp="1"/>
-          </p:cNvSpPr>
+      <p:pic>
+        <p:nvPicPr>
+          <p:cNvPr id="4" name="Content Placeholder 3"/>
+          <p:cNvPicPr>
+            <a:picLocks noGrp="1" noChangeAspect="1"/>
+          </p:cNvPicPr>
           <p:nvPr>
             <p:ph idx="1"/>
           </p:nvPr>
-        </p:nvSpPr>
-        <p:spPr/>
-        <p:txBody>
-          <a:bodyPr>
-            <a:normAutofit/>
-          </a:bodyPr>
-          <a:lstStyle/>
-          <a:p>
-            <a:pPr marL="514350" indent="-514350">
-              <a:buFont typeface="+mj-lt"/>
-              <a:buAutoNum type="arabicPeriod"/>
-            </a:pPr>
-            <a:r>
-              <a:rPr lang="en-GB" dirty="0" smtClean="0"/>
-              <a:t>Anyone </a:t>
-            </a:r>
-            <a:r>
-              <a:rPr lang="en-GB" dirty="0"/>
-              <a:t>is able to submit a </a:t>
-            </a:r>
-            <a:r>
-              <a:rPr lang="en-GB" dirty="0" smtClean="0"/>
-              <a:t>challenge</a:t>
-            </a:r>
-          </a:p>
-          <a:p>
-            <a:pPr lvl="1"/>
-            <a:r>
-              <a:rPr lang="en-GB" dirty="0" smtClean="0"/>
-              <a:t>When no previous problem</a:t>
-            </a:r>
-            <a:endParaRPr lang="en-GB" dirty="0"/>
-          </a:p>
-          <a:p>
-            <a:pPr marL="514350" indent="-514350">
-              <a:buFont typeface="+mj-lt"/>
-              <a:buAutoNum type="arabicPeriod"/>
-            </a:pPr>
-            <a:r>
-              <a:rPr lang="en-GB" dirty="0" smtClean="0"/>
-              <a:t>The </a:t>
-            </a:r>
-            <a:r>
-              <a:rPr lang="en-GB" dirty="0"/>
-              <a:t>QM can set a challenge</a:t>
-            </a:r>
-          </a:p>
-          <a:p>
-            <a:pPr lvl="1"/>
-            <a:r>
-              <a:rPr lang="en-GB" dirty="0" smtClean="0"/>
-              <a:t>Previous challenge ended; that challenge’s winner is new QM</a:t>
-            </a:r>
-            <a:endParaRPr lang="en-GB" dirty="0"/>
-          </a:p>
-          <a:p>
-            <a:pPr marL="514350" indent="-514350">
-              <a:buFont typeface="+mj-lt"/>
-              <a:buAutoNum type="arabicPeriod"/>
-            </a:pPr>
-            <a:r>
-              <a:rPr lang="en-GB" dirty="0" smtClean="0"/>
-              <a:t>The </a:t>
-            </a:r>
-            <a:r>
-              <a:rPr lang="en-GB" dirty="0"/>
-              <a:t>solvers can submit solutions</a:t>
-            </a:r>
-          </a:p>
-          <a:p>
-            <a:pPr lvl="1"/>
-            <a:r>
-              <a:rPr lang="en-GB" dirty="0" smtClean="0"/>
-              <a:t>QM has submitted challenge and it hasn’t expired</a:t>
-            </a:r>
-          </a:p>
-          <a:p>
-            <a:pPr lvl="1"/>
-            <a:r>
-              <a:rPr lang="en-GB" dirty="0" smtClean="0"/>
-              <a:t>One solution for each solver</a:t>
-            </a:r>
-            <a:endParaRPr lang="en-GB" dirty="0"/>
-          </a:p>
-          <a:p>
-            <a:pPr marL="514350" indent="-514350">
-              <a:buFont typeface="+mj-lt"/>
-              <a:buAutoNum type="arabicPeriod"/>
-            </a:pPr>
-            <a:r>
-              <a:rPr lang="en-GB" dirty="0"/>
-              <a:t>The QM can grade the </a:t>
-            </a:r>
-            <a:r>
-              <a:rPr lang="en-GB" dirty="0" smtClean="0"/>
-              <a:t>solutions</a:t>
-            </a:r>
-          </a:p>
-          <a:p>
-            <a:pPr lvl="1"/>
-            <a:r>
-              <a:rPr lang="en-GB" dirty="0" smtClean="0"/>
-              <a:t>All the registered users have submitted solutions OR expiry time reached</a:t>
-            </a:r>
-            <a:endParaRPr lang="en-GB" dirty="0"/>
-          </a:p>
-        </p:txBody>
-      </p:sp>
+        </p:nvPicPr>
+        <p:blipFill>
+          <a:blip r:embed="rId2">
+            <a:extLst>
+              <a:ext uri="{28A0092B-C50C-407E-A947-70E740481C1C}">
+                <a14:useLocalDpi xmlns:a14="http://schemas.microsoft.com/office/drawing/2010/main" val="0"/>
+              </a:ext>
+            </a:extLst>
+          </a:blip>
+          <a:stretch>
+            <a:fillRect/>
+          </a:stretch>
+        </p:blipFill>
+        <p:spPr>
+          <a:xfrm>
+            <a:off x="1291695" y="1825625"/>
+            <a:ext cx="9608610" cy="4351338"/>
+          </a:xfrm>
+          <a:prstGeom prst="rect">
+            <a:avLst/>
+          </a:prstGeom>
+          <a:solidFill>
+            <a:srgbClr val="FFFFFF">
+              <a:shade val="85000"/>
+            </a:srgbClr>
+          </a:solidFill>
+          <a:ln w="88900" cap="sq">
+            <a:solidFill>
+              <a:srgbClr val="FFFFFF"/>
+            </a:solidFill>
+            <a:miter lim="800000"/>
+          </a:ln>
+          <a:effectLst>
+            <a:outerShdw blurRad="55000" dist="18000" dir="5400000" algn="tl" rotWithShape="0">
+              <a:srgbClr val="000000">
+                <a:alpha val="40000"/>
+              </a:srgbClr>
+            </a:outerShdw>
+          </a:effectLst>
+          <a:scene3d>
+            <a:camera prst="orthographicFront"/>
+            <a:lightRig rig="twoPt" dir="t">
+              <a:rot lat="0" lon="0" rev="7200000"/>
+            </a:lightRig>
+          </a:scene3d>
+          <a:sp3d>
+            <a:bevelT w="25400" h="19050"/>
+            <a:contourClr>
+              <a:srgbClr val="FFFFFF"/>
+            </a:contourClr>
+          </a:sp3d>
+        </p:spPr>
+      </p:pic>
     </p:spTree>
     <p:extLst>
       <p:ext uri="{BB962C8B-B14F-4D97-AF65-F5344CB8AC3E}">
-        <p14:creationId xmlns:p14="http://schemas.microsoft.com/office/powerpoint/2010/main" val="2769886373"/>
+        <p14:creationId xmlns:p14="http://schemas.microsoft.com/office/powerpoint/2010/main" val="1250193976"/>
       </p:ext>
     </p:extLst>
   </p:cSld>
   <p:clrMapOvr>
     <a:masterClrMapping/>
   </p:clrMapOvr>
+  <mc:AlternateContent xmlns:mc="http://schemas.openxmlformats.org/markup-compatibility/2006">
+    <mc:Choice xmlns:p14="http://schemas.microsoft.com/office/powerpoint/2010/main" Requires="p14">
+      <p:transition spd="med" p14:dur="700">
+        <p:fade/>
+      </p:transition>
+    </mc:Choice>
+    <mc:Fallback>
+      <p:transition spd="med">
+        <p:fade/>
+      </p:transition>
+    </mc:Fallback>
+  </mc:AlternateContent>
+  <p:timing>
+    <p:tnLst>
+      <p:par>
+        <p:cTn id="1" dur="indefinite" restart="never" nodeType="tmRoot"/>
+      </p:par>
+    </p:tnLst>
+  </p:timing>
 </p:sld>
 </file>
 
@@ -4138,96 +5098,103 @@
           <a:p>
             <a:r>
               <a:rPr lang="en-GB" dirty="0" smtClean="0"/>
-              <a:t>Structural base</a:t>
+              <a:t>Problem lifecycle</a:t>
             </a:r>
             <a:endParaRPr lang="en-GB" dirty="0"/>
           </a:p>
         </p:txBody>
       </p:sp>
-      <p:sp>
-        <p:nvSpPr>
-          <p:cNvPr id="3" name="Content Placeholder 2"/>
-          <p:cNvSpPr>
-            <a:spLocks noGrp="1"/>
-          </p:cNvSpPr>
+      <p:pic>
+        <p:nvPicPr>
+          <p:cNvPr id="4" name="Content Placeholder 3"/>
+          <p:cNvPicPr>
+            <a:picLocks noGrp="1" noChangeAspect="1"/>
+          </p:cNvPicPr>
           <p:nvPr>
             <p:ph idx="1"/>
           </p:nvPr>
-        </p:nvSpPr>
-        <p:spPr/>
-        <p:txBody>
-          <a:bodyPr/>
-          <a:lstStyle/>
-          <a:p>
-            <a:pPr marL="0" indent="0">
-              <a:buNone/>
-            </a:pPr>
-            <a:r>
-              <a:rPr lang="en-GB" dirty="0" smtClean="0"/>
-              <a:t>Rails-on-Ruby (and SQLite)</a:t>
-            </a:r>
-          </a:p>
-          <a:p>
-            <a:pPr lvl="1"/>
-            <a:r>
-              <a:rPr lang="en-GB" dirty="0" smtClean="0"/>
-              <a:t>Widely used ∴ widely documented</a:t>
-            </a:r>
-          </a:p>
-          <a:p>
-            <a:pPr lvl="1"/>
-            <a:r>
-              <a:rPr lang="en-GB" dirty="0" smtClean="0"/>
-              <a:t>Fast and powerful</a:t>
-            </a:r>
-          </a:p>
-          <a:p>
-            <a:pPr lvl="1"/>
-            <a:r>
-              <a:rPr lang="en-GB" dirty="0" smtClean="0"/>
-              <a:t>Ruby was new to us so good to try out </a:t>
-            </a:r>
-          </a:p>
-          <a:p>
-            <a:pPr lvl="1"/>
-            <a:endParaRPr lang="en-GB" dirty="0" smtClean="0"/>
-          </a:p>
-          <a:p>
-            <a:pPr marL="0" indent="0">
-              <a:buNone/>
-            </a:pPr>
-            <a:r>
-              <a:rPr lang="en-GB" dirty="0" smtClean="0"/>
-              <a:t>Bootstrap</a:t>
-            </a:r>
-          </a:p>
-          <a:p>
-            <a:pPr lvl="1"/>
-            <a:r>
-              <a:rPr lang="en-GB" dirty="0" smtClean="0"/>
-              <a:t>Elements for alerts etc. built-in</a:t>
-            </a:r>
-          </a:p>
-          <a:p>
-            <a:pPr lvl="1"/>
-            <a:r>
-              <a:rPr lang="en-GB" dirty="0" smtClean="0"/>
-              <a:t>Huge range of structural elements – e.g. our FAQ uses an accordion, alerts returned use warning/danger classes to stand out, etc.</a:t>
-            </a:r>
-            <a:endParaRPr lang="en-GB" dirty="0"/>
-          </a:p>
-        </p:txBody>
-      </p:sp>
+        </p:nvPicPr>
+        <p:blipFill>
+          <a:blip r:embed="rId2">
+            <a:extLst>
+              <a:ext uri="{28A0092B-C50C-407E-A947-70E740481C1C}">
+                <a14:useLocalDpi xmlns:a14="http://schemas.microsoft.com/office/drawing/2010/main" val="0"/>
+              </a:ext>
+            </a:extLst>
+          </a:blip>
+          <a:stretch>
+            <a:fillRect/>
+          </a:stretch>
+        </p:blipFill>
+        <p:spPr>
+          <a:xfrm>
+            <a:off x="1311658" y="1825625"/>
+            <a:ext cx="9568684" cy="4351338"/>
+          </a:xfrm>
+          <a:prstGeom prst="rect">
+            <a:avLst/>
+          </a:prstGeom>
+          <a:solidFill>
+            <a:srgbClr val="FFFFFF">
+              <a:shade val="85000"/>
+            </a:srgbClr>
+          </a:solidFill>
+          <a:ln w="88900" cap="sq">
+            <a:solidFill>
+              <a:srgbClr val="FFFFFF"/>
+            </a:solidFill>
+            <a:miter lim="800000"/>
+          </a:ln>
+          <a:effectLst>
+            <a:outerShdw blurRad="55000" dist="18000" dir="5400000" algn="tl" rotWithShape="0">
+              <a:srgbClr val="000000">
+                <a:alpha val="40000"/>
+              </a:srgbClr>
+            </a:outerShdw>
+          </a:effectLst>
+          <a:scene3d>
+            <a:camera prst="orthographicFront"/>
+            <a:lightRig rig="twoPt" dir="t">
+              <a:rot lat="0" lon="0" rev="7200000"/>
+            </a:lightRig>
+          </a:scene3d>
+          <a:sp3d>
+            <a:bevelT w="25400" h="19050"/>
+            <a:contourClr>
+              <a:srgbClr val="FFFFFF"/>
+            </a:contourClr>
+          </a:sp3d>
+        </p:spPr>
+      </p:pic>
     </p:spTree>
     <p:extLst>
       <p:ext uri="{BB962C8B-B14F-4D97-AF65-F5344CB8AC3E}">
-        <p14:creationId xmlns:p14="http://schemas.microsoft.com/office/powerpoint/2010/main" val="3444070513"/>
+        <p14:creationId xmlns:p14="http://schemas.microsoft.com/office/powerpoint/2010/main" val="2135168116"/>
       </p:ext>
     </p:extLst>
   </p:cSld>
   <p:clrMapOvr>
     <a:masterClrMapping/>
   </p:clrMapOvr>
+  <mc:AlternateContent xmlns:mc="http://schemas.openxmlformats.org/markup-compatibility/2006">
+    <mc:Choice xmlns:p14="http://schemas.microsoft.com/office/powerpoint/2010/main" Requires="p14">
+      <p:transition spd="med" p14:dur="700">
+        <p:fade/>
+      </p:transition>
+    </mc:Choice>
+    <mc:Fallback>
+      <p:transition spd="med">
+        <p:fade/>
+      </p:transition>
+    </mc:Fallback>
+  </mc:AlternateContent>
+  <p:timing>
+    <p:tnLst>
+      <p:par>
+        <p:cTn id="1" dur="indefinite" restart="never" nodeType="tmRoot"/>
+      </p:par>
+    </p:tnLst>
+  </p:timing>
 </p:sld>
 </file>
 
@@ -4265,41 +5232,103 @@
           <a:p>
             <a:r>
               <a:rPr lang="en-GB" dirty="0" smtClean="0"/>
-              <a:t>Group dynamics</a:t>
+              <a:t>Problem lifecycle</a:t>
             </a:r>
             <a:endParaRPr lang="en-GB" dirty="0"/>
           </a:p>
         </p:txBody>
       </p:sp>
-      <p:sp>
-        <p:nvSpPr>
-          <p:cNvPr id="3" name="Content Placeholder 2"/>
-          <p:cNvSpPr>
-            <a:spLocks noGrp="1"/>
-          </p:cNvSpPr>
+      <p:pic>
+        <p:nvPicPr>
+          <p:cNvPr id="4" name="Content Placeholder 3"/>
+          <p:cNvPicPr>
+            <a:picLocks noGrp="1" noChangeAspect="1"/>
+          </p:cNvPicPr>
           <p:nvPr>
             <p:ph idx="1"/>
           </p:nvPr>
-        </p:nvSpPr>
-        <p:spPr/>
-        <p:txBody>
-          <a:bodyPr/>
-          <a:lstStyle/>
-          <a:p>
-            <a:endParaRPr lang="en-GB"/>
-          </a:p>
-        </p:txBody>
-      </p:sp>
+        </p:nvPicPr>
+        <p:blipFill>
+          <a:blip r:embed="rId2">
+            <a:extLst>
+              <a:ext uri="{28A0092B-C50C-407E-A947-70E740481C1C}">
+                <a14:useLocalDpi xmlns:a14="http://schemas.microsoft.com/office/drawing/2010/main" val="0"/>
+              </a:ext>
+            </a:extLst>
+          </a:blip>
+          <a:stretch>
+            <a:fillRect/>
+          </a:stretch>
+        </p:blipFill>
+        <p:spPr>
+          <a:xfrm>
+            <a:off x="1337830" y="1825625"/>
+            <a:ext cx="9516340" cy="4351338"/>
+          </a:xfrm>
+          <a:prstGeom prst="rect">
+            <a:avLst/>
+          </a:prstGeom>
+          <a:solidFill>
+            <a:srgbClr val="FFFFFF">
+              <a:shade val="85000"/>
+            </a:srgbClr>
+          </a:solidFill>
+          <a:ln w="88900" cap="sq">
+            <a:solidFill>
+              <a:srgbClr val="FFFFFF"/>
+            </a:solidFill>
+            <a:miter lim="800000"/>
+          </a:ln>
+          <a:effectLst>
+            <a:outerShdw blurRad="55000" dist="18000" dir="5400000" algn="tl" rotWithShape="0">
+              <a:srgbClr val="000000">
+                <a:alpha val="40000"/>
+              </a:srgbClr>
+            </a:outerShdw>
+          </a:effectLst>
+          <a:scene3d>
+            <a:camera prst="orthographicFront"/>
+            <a:lightRig rig="twoPt" dir="t">
+              <a:rot lat="0" lon="0" rev="7200000"/>
+            </a:lightRig>
+          </a:scene3d>
+          <a:sp3d>
+            <a:bevelT w="25400" h="19050"/>
+            <a:contourClr>
+              <a:srgbClr val="FFFFFF"/>
+            </a:contourClr>
+          </a:sp3d>
+        </p:spPr>
+      </p:pic>
     </p:spTree>
     <p:extLst>
       <p:ext uri="{BB962C8B-B14F-4D97-AF65-F5344CB8AC3E}">
-        <p14:creationId xmlns:p14="http://schemas.microsoft.com/office/powerpoint/2010/main" val="2464168231"/>
+        <p14:creationId xmlns:p14="http://schemas.microsoft.com/office/powerpoint/2010/main" val="1800132864"/>
       </p:ext>
     </p:extLst>
   </p:cSld>
   <p:clrMapOvr>
     <a:masterClrMapping/>
   </p:clrMapOvr>
+  <mc:AlternateContent xmlns:mc="http://schemas.openxmlformats.org/markup-compatibility/2006">
+    <mc:Choice xmlns:p14="http://schemas.microsoft.com/office/powerpoint/2010/main" Requires="p14">
+      <p:transition spd="med" p14:dur="700">
+        <p:fade/>
+      </p:transition>
+    </mc:Choice>
+    <mc:Fallback>
+      <p:transition spd="med">
+        <p:fade/>
+      </p:transition>
+    </mc:Fallback>
+  </mc:AlternateContent>
+  <p:timing>
+    <p:tnLst>
+      <p:par>
+        <p:cTn id="1" dur="indefinite" restart="never" nodeType="tmRoot"/>
+      </p:par>
+    </p:tnLst>
+  </p:timing>
 </p:sld>
 </file>
 
@@ -4322,80 +5351,245 @@
       </p:grpSpPr>
       <p:sp>
         <p:nvSpPr>
-          <p:cNvPr id="4" name="Title 3"/>
-          <p:cNvSpPr>
-            <a:spLocks noGrp="1"/>
-          </p:cNvSpPr>
-          <p:nvPr>
-            <p:ph type="ctrTitle"/>
-          </p:nvPr>
-        </p:nvSpPr>
+          <p:cNvPr id="2" name="Title 1"/>
+          <p:cNvSpPr>
+            <a:spLocks noGrp="1"/>
+          </p:cNvSpPr>
+          <p:nvPr>
+            <p:ph type="title"/>
+          </p:nvPr>
+        </p:nvSpPr>
+        <p:spPr/>
+        <p:txBody>
+          <a:bodyPr/>
+          <a:lstStyle/>
+          <a:p>
+            <a:r>
+              <a:rPr lang="en-GB" dirty="0" smtClean="0"/>
+              <a:t>Problem lifecycle</a:t>
+            </a:r>
+            <a:endParaRPr lang="en-GB" dirty="0"/>
+          </a:p>
+        </p:txBody>
+      </p:sp>
+      <p:pic>
+        <p:nvPicPr>
+          <p:cNvPr id="4" name="Content Placeholder 3"/>
+          <p:cNvPicPr>
+            <a:picLocks noGrp="1" noChangeAspect="1"/>
+          </p:cNvPicPr>
+          <p:nvPr>
+            <p:ph idx="1"/>
+          </p:nvPr>
+        </p:nvPicPr>
+        <p:blipFill>
+          <a:blip r:embed="rId2">
+            <a:extLst>
+              <a:ext uri="{28A0092B-C50C-407E-A947-70E740481C1C}">
+                <a14:useLocalDpi xmlns:a14="http://schemas.microsoft.com/office/drawing/2010/main" val="0"/>
+              </a:ext>
+            </a:extLst>
+          </a:blip>
+          <a:stretch>
+            <a:fillRect/>
+          </a:stretch>
+        </p:blipFill>
         <p:spPr>
           <a:xfrm>
-            <a:off x="1524000" y="1651754"/>
-            <a:ext cx="9144000" cy="2387600"/>
+            <a:off x="1304559" y="1825625"/>
+            <a:ext cx="9582881" cy="4351338"/>
           </a:xfrm>
+          <a:prstGeom prst="rect">
+            <a:avLst/>
+          </a:prstGeom>
+          <a:solidFill>
+            <a:srgbClr val="FFFFFF">
+              <a:shade val="85000"/>
+            </a:srgbClr>
+          </a:solidFill>
+          <a:ln w="88900" cap="sq">
+            <a:solidFill>
+              <a:srgbClr val="FFFFFF"/>
+            </a:solidFill>
+            <a:miter lim="800000"/>
+          </a:ln>
+          <a:effectLst>
+            <a:outerShdw blurRad="55000" dist="18000" dir="5400000" algn="tl" rotWithShape="0">
+              <a:srgbClr val="000000">
+                <a:alpha val="40000"/>
+              </a:srgbClr>
+            </a:outerShdw>
+          </a:effectLst>
+          <a:scene3d>
+            <a:camera prst="orthographicFront"/>
+            <a:lightRig rig="twoPt" dir="t">
+              <a:rot lat="0" lon="0" rev="7200000"/>
+            </a:lightRig>
+          </a:scene3d>
+          <a:sp3d>
+            <a:bevelT w="25400" h="19050"/>
+            <a:contourClr>
+              <a:srgbClr val="FFFFFF"/>
+            </a:contourClr>
+          </a:sp3d>
         </p:spPr>
-        <p:txBody>
-          <a:bodyPr>
-            <a:normAutofit/>
-          </a:bodyPr>
-          <a:lstStyle/>
-          <a:p>
-            <a:r>
-              <a:rPr lang="en-GB" sz="9600" dirty="0" smtClean="0">
-                <a:latin typeface="Lavanderia Regular" pitchFamily="50" charset="0"/>
-              </a:rPr>
-              <a:t>fin</a:t>
-            </a:r>
-            <a:endParaRPr lang="en-GB" sz="9600" dirty="0">
-              <a:latin typeface="Lavanderia Regular" pitchFamily="50" charset="0"/>
-            </a:endParaRPr>
-          </a:p>
-        </p:txBody>
-      </p:sp>
-      <p:sp>
-        <p:nvSpPr>
-          <p:cNvPr id="5" name="Subtitle 4"/>
-          <p:cNvSpPr>
-            <a:spLocks noGrp="1"/>
-          </p:cNvSpPr>
-          <p:nvPr>
-            <p:ph type="subTitle" idx="1"/>
-          </p:nvPr>
-        </p:nvSpPr>
-        <p:spPr>
-          <a:xfrm>
-            <a:off x="1524000" y="4131429"/>
-            <a:ext cx="9144000" cy="1655762"/>
-          </a:xfrm>
-        </p:spPr>
-        <p:txBody>
-          <a:bodyPr/>
-          <a:lstStyle/>
-          <a:p>
-            <a:r>
-              <a:rPr lang="en-GB" dirty="0" smtClean="0">
-                <a:latin typeface="+mj-lt"/>
-              </a:rPr>
-              <a:t>Thank you for listening!</a:t>
-            </a:r>
-            <a:endParaRPr lang="en-GB" dirty="0">
-              <a:latin typeface="+mj-lt"/>
-            </a:endParaRPr>
-          </a:p>
-        </p:txBody>
-      </p:sp>
+      </p:pic>
     </p:spTree>
     <p:extLst>
       <p:ext uri="{BB962C8B-B14F-4D97-AF65-F5344CB8AC3E}">
-        <p14:creationId xmlns:p14="http://schemas.microsoft.com/office/powerpoint/2010/main" val="1397988848"/>
+        <p14:creationId xmlns:p14="http://schemas.microsoft.com/office/powerpoint/2010/main" val="1094075704"/>
       </p:ext>
     </p:extLst>
   </p:cSld>
   <p:clrMapOvr>
     <a:masterClrMapping/>
   </p:clrMapOvr>
+  <mc:AlternateContent xmlns:mc="http://schemas.openxmlformats.org/markup-compatibility/2006">
+    <mc:Choice xmlns:p14="http://schemas.microsoft.com/office/powerpoint/2010/main" Requires="p14">
+      <p:transition spd="med" p14:dur="700">
+        <p:fade/>
+      </p:transition>
+    </mc:Choice>
+    <mc:Fallback>
+      <p:transition spd="med">
+        <p:fade/>
+      </p:transition>
+    </mc:Fallback>
+  </mc:AlternateContent>
+  <p:timing>
+    <p:tnLst>
+      <p:par>
+        <p:cTn id="1" dur="indefinite" restart="never" nodeType="tmRoot"/>
+      </p:par>
+    </p:tnLst>
+  </p:timing>
+</p:sld>
+</file>
+
+<file path=ppt/slides/slide9.xml><?xml version="1.0" encoding="utf-8"?>
+<p:sld xmlns:a="http://schemas.openxmlformats.org/drawingml/2006/main" xmlns:r="http://schemas.openxmlformats.org/officeDocument/2006/relationships" xmlns:p="http://schemas.openxmlformats.org/presentationml/2006/main">
+  <p:cSld>
+    <p:spTree>
+      <p:nvGrpSpPr>
+        <p:cNvPr id="1" name=""/>
+        <p:cNvGrpSpPr/>
+        <p:nvPr/>
+      </p:nvGrpSpPr>
+      <p:grpSpPr>
+        <a:xfrm>
+          <a:off x="0" y="0"/>
+          <a:ext cx="0" cy="0"/>
+          <a:chOff x="0" y="0"/>
+          <a:chExt cx="0" cy="0"/>
+        </a:xfrm>
+      </p:grpSpPr>
+      <p:sp>
+        <p:nvSpPr>
+          <p:cNvPr id="2" name="Title 1"/>
+          <p:cNvSpPr>
+            <a:spLocks noGrp="1"/>
+          </p:cNvSpPr>
+          <p:nvPr>
+            <p:ph type="title"/>
+          </p:nvPr>
+        </p:nvSpPr>
+        <p:spPr/>
+        <p:txBody>
+          <a:bodyPr/>
+          <a:lstStyle/>
+          <a:p>
+            <a:r>
+              <a:rPr lang="en-GB" dirty="0" smtClean="0"/>
+              <a:t>Problem lifecycle</a:t>
+            </a:r>
+            <a:endParaRPr lang="en-GB" dirty="0"/>
+          </a:p>
+        </p:txBody>
+      </p:sp>
+      <p:pic>
+        <p:nvPicPr>
+          <p:cNvPr id="4" name="Content Placeholder 3"/>
+          <p:cNvPicPr>
+            <a:picLocks noGrp="1" noChangeAspect="1"/>
+          </p:cNvPicPr>
+          <p:nvPr>
+            <p:ph idx="1"/>
+          </p:nvPr>
+        </p:nvPicPr>
+        <p:blipFill>
+          <a:blip r:embed="rId2">
+            <a:extLst>
+              <a:ext uri="{28A0092B-C50C-407E-A947-70E740481C1C}">
+                <a14:useLocalDpi xmlns:a14="http://schemas.microsoft.com/office/drawing/2010/main" val="0"/>
+              </a:ext>
+            </a:extLst>
+          </a:blip>
+          <a:stretch>
+            <a:fillRect/>
+          </a:stretch>
+        </p:blipFill>
+        <p:spPr>
+          <a:xfrm>
+            <a:off x="1308109" y="1825625"/>
+            <a:ext cx="9575782" cy="4351338"/>
+          </a:xfrm>
+          <a:prstGeom prst="rect">
+            <a:avLst/>
+          </a:prstGeom>
+          <a:solidFill>
+            <a:srgbClr val="FFFFFF">
+              <a:shade val="85000"/>
+            </a:srgbClr>
+          </a:solidFill>
+          <a:ln w="88900" cap="sq">
+            <a:solidFill>
+              <a:srgbClr val="FFFFFF"/>
+            </a:solidFill>
+            <a:miter lim="800000"/>
+          </a:ln>
+          <a:effectLst>
+            <a:outerShdw blurRad="55000" dist="18000" dir="5400000" algn="tl" rotWithShape="0">
+              <a:srgbClr val="000000">
+                <a:alpha val="40000"/>
+              </a:srgbClr>
+            </a:outerShdw>
+          </a:effectLst>
+          <a:scene3d>
+            <a:camera prst="orthographicFront"/>
+            <a:lightRig rig="twoPt" dir="t">
+              <a:rot lat="0" lon="0" rev="7200000"/>
+            </a:lightRig>
+          </a:scene3d>
+          <a:sp3d>
+            <a:bevelT w="25400" h="19050"/>
+            <a:contourClr>
+              <a:srgbClr val="FFFFFF"/>
+            </a:contourClr>
+          </a:sp3d>
+        </p:spPr>
+      </p:pic>
+    </p:spTree>
+    <p:extLst>
+      <p:ext uri="{BB962C8B-B14F-4D97-AF65-F5344CB8AC3E}">
+        <p14:creationId xmlns:p14="http://schemas.microsoft.com/office/powerpoint/2010/main" val="358677070"/>
+      </p:ext>
+    </p:extLst>
+  </p:cSld>
+  <p:clrMapOvr>
+    <a:masterClrMapping/>
+  </p:clrMapOvr>
+  <mc:AlternateContent xmlns:mc="http://schemas.openxmlformats.org/markup-compatibility/2006">
+    <mc:Choice xmlns:p14="http://schemas.microsoft.com/office/powerpoint/2010/main" Requires="p14">
+      <p:transition spd="med" p14:dur="700">
+        <p:fade/>
+      </p:transition>
+    </mc:Choice>
+    <mc:Fallback>
+      <p:transition spd="med">
+        <p:fade/>
+      </p:transition>
+    </mc:Fallback>
+  </mc:AlternateContent>
   <p:timing>
     <p:tnLst>
       <p:par>

--- a/presentation/group5_presentation.pptx
+++ b/presentation/group5_presentation.pptx
@@ -313,13 +313,13 @@
   <p:clrMapOvr>
     <a:masterClrMapping/>
   </p:clrMapOvr>
-  <mc:AlternateContent xmlns:mc="http://schemas.openxmlformats.org/markup-compatibility/2006">
-    <mc:Choice xmlns:p14="http://schemas.microsoft.com/office/powerpoint/2010/main" Requires="p14">
+  <mc:AlternateContent xmlns:mc="http://schemas.openxmlformats.org/markup-compatibility/2006" xmlns:p14="http://schemas.microsoft.com/office/powerpoint/2010/main">
+    <mc:Choice Requires="p14">
       <p:transition spd="med" p14:dur="700">
         <p:fade/>
       </p:transition>
     </mc:Choice>
-    <mc:Fallback>
+    <mc:Fallback xmlns="">
       <p:transition spd="med">
         <p:fade/>
       </p:transition>
@@ -495,13 +495,13 @@
   <p:clrMapOvr>
     <a:masterClrMapping/>
   </p:clrMapOvr>
-  <mc:AlternateContent xmlns:mc="http://schemas.openxmlformats.org/markup-compatibility/2006">
-    <mc:Choice xmlns:p14="http://schemas.microsoft.com/office/powerpoint/2010/main" Requires="p14">
+  <mc:AlternateContent xmlns:mc="http://schemas.openxmlformats.org/markup-compatibility/2006" xmlns:p14="http://schemas.microsoft.com/office/powerpoint/2010/main">
+    <mc:Choice Requires="p14">
       <p:transition spd="med" p14:dur="700">
         <p:fade/>
       </p:transition>
     </mc:Choice>
-    <mc:Fallback>
+    <mc:Fallback xmlns="">
       <p:transition spd="med">
         <p:fade/>
       </p:transition>
@@ -687,13 +687,13 @@
   <p:clrMapOvr>
     <a:masterClrMapping/>
   </p:clrMapOvr>
-  <mc:AlternateContent xmlns:mc="http://schemas.openxmlformats.org/markup-compatibility/2006">
-    <mc:Choice xmlns:p14="http://schemas.microsoft.com/office/powerpoint/2010/main" Requires="p14">
+  <mc:AlternateContent xmlns:mc="http://schemas.openxmlformats.org/markup-compatibility/2006" xmlns:p14="http://schemas.microsoft.com/office/powerpoint/2010/main">
+    <mc:Choice Requires="p14">
       <p:transition spd="med" p14:dur="700">
         <p:fade/>
       </p:transition>
     </mc:Choice>
-    <mc:Fallback>
+    <mc:Fallback xmlns="">
       <p:transition spd="med">
         <p:fade/>
       </p:transition>
@@ -869,13 +869,13 @@
   <p:clrMapOvr>
     <a:masterClrMapping/>
   </p:clrMapOvr>
-  <mc:AlternateContent xmlns:mc="http://schemas.openxmlformats.org/markup-compatibility/2006">
-    <mc:Choice xmlns:p14="http://schemas.microsoft.com/office/powerpoint/2010/main" Requires="p14">
+  <mc:AlternateContent xmlns:mc="http://schemas.openxmlformats.org/markup-compatibility/2006" xmlns:p14="http://schemas.microsoft.com/office/powerpoint/2010/main">
+    <mc:Choice Requires="p14">
       <p:transition spd="med" p14:dur="700">
         <p:fade/>
       </p:transition>
     </mc:Choice>
-    <mc:Fallback>
+    <mc:Fallback xmlns="">
       <p:transition spd="med">
         <p:fade/>
       </p:transition>
@@ -1127,13 +1127,13 @@
   <p:clrMapOvr>
     <a:masterClrMapping/>
   </p:clrMapOvr>
-  <mc:AlternateContent xmlns:mc="http://schemas.openxmlformats.org/markup-compatibility/2006">
-    <mc:Choice xmlns:p14="http://schemas.microsoft.com/office/powerpoint/2010/main" Requires="p14">
+  <mc:AlternateContent xmlns:mc="http://schemas.openxmlformats.org/markup-compatibility/2006" xmlns:p14="http://schemas.microsoft.com/office/powerpoint/2010/main">
+    <mc:Choice Requires="p14">
       <p:transition spd="med" p14:dur="700">
         <p:fade/>
       </p:transition>
     </mc:Choice>
-    <mc:Fallback>
+    <mc:Fallback xmlns="">
       <p:transition spd="med">
         <p:fade/>
       </p:transition>
@@ -1371,13 +1371,13 @@
   <p:clrMapOvr>
     <a:masterClrMapping/>
   </p:clrMapOvr>
-  <mc:AlternateContent xmlns:mc="http://schemas.openxmlformats.org/markup-compatibility/2006">
-    <mc:Choice xmlns:p14="http://schemas.microsoft.com/office/powerpoint/2010/main" Requires="p14">
+  <mc:AlternateContent xmlns:mc="http://schemas.openxmlformats.org/markup-compatibility/2006" xmlns:p14="http://schemas.microsoft.com/office/powerpoint/2010/main">
+    <mc:Choice Requires="p14">
       <p:transition spd="med" p14:dur="700">
         <p:fade/>
       </p:transition>
     </mc:Choice>
-    <mc:Fallback>
+    <mc:Fallback xmlns="">
       <p:transition spd="med">
         <p:fade/>
       </p:transition>
@@ -1750,13 +1750,13 @@
   <p:clrMapOvr>
     <a:masterClrMapping/>
   </p:clrMapOvr>
-  <mc:AlternateContent xmlns:mc="http://schemas.openxmlformats.org/markup-compatibility/2006">
-    <mc:Choice xmlns:p14="http://schemas.microsoft.com/office/powerpoint/2010/main" Requires="p14">
+  <mc:AlternateContent xmlns:mc="http://schemas.openxmlformats.org/markup-compatibility/2006" xmlns:p14="http://schemas.microsoft.com/office/powerpoint/2010/main">
+    <mc:Choice Requires="p14">
       <p:transition spd="med" p14:dur="700">
         <p:fade/>
       </p:transition>
     </mc:Choice>
-    <mc:Fallback>
+    <mc:Fallback xmlns="">
       <p:transition spd="med">
         <p:fade/>
       </p:transition>
@@ -1880,13 +1880,13 @@
   <p:clrMapOvr>
     <a:masterClrMapping/>
   </p:clrMapOvr>
-  <mc:AlternateContent xmlns:mc="http://schemas.openxmlformats.org/markup-compatibility/2006">
-    <mc:Choice xmlns:p14="http://schemas.microsoft.com/office/powerpoint/2010/main" Requires="p14">
+  <mc:AlternateContent xmlns:mc="http://schemas.openxmlformats.org/markup-compatibility/2006" xmlns:p14="http://schemas.microsoft.com/office/powerpoint/2010/main">
+    <mc:Choice Requires="p14">
       <p:transition spd="med" p14:dur="700">
         <p:fade/>
       </p:transition>
     </mc:Choice>
-    <mc:Fallback>
+    <mc:Fallback xmlns="">
       <p:transition spd="med">
         <p:fade/>
       </p:transition>
@@ -1987,13 +1987,13 @@
   <p:clrMapOvr>
     <a:masterClrMapping/>
   </p:clrMapOvr>
-  <mc:AlternateContent xmlns:mc="http://schemas.openxmlformats.org/markup-compatibility/2006">
-    <mc:Choice xmlns:p14="http://schemas.microsoft.com/office/powerpoint/2010/main" Requires="p14">
+  <mc:AlternateContent xmlns:mc="http://schemas.openxmlformats.org/markup-compatibility/2006" xmlns:p14="http://schemas.microsoft.com/office/powerpoint/2010/main">
+    <mc:Choice Requires="p14">
       <p:transition spd="med" p14:dur="700">
         <p:fade/>
       </p:transition>
     </mc:Choice>
-    <mc:Fallback>
+    <mc:Fallback xmlns="">
       <p:transition spd="med">
         <p:fade/>
       </p:transition>
@@ -2276,13 +2276,13 @@
   <p:clrMapOvr>
     <a:masterClrMapping/>
   </p:clrMapOvr>
-  <mc:AlternateContent xmlns:mc="http://schemas.openxmlformats.org/markup-compatibility/2006">
-    <mc:Choice xmlns:p14="http://schemas.microsoft.com/office/powerpoint/2010/main" Requires="p14">
+  <mc:AlternateContent xmlns:mc="http://schemas.openxmlformats.org/markup-compatibility/2006" xmlns:p14="http://schemas.microsoft.com/office/powerpoint/2010/main">
+    <mc:Choice Requires="p14">
       <p:transition spd="med" p14:dur="700">
         <p:fade/>
       </p:transition>
     </mc:Choice>
-    <mc:Fallback>
+    <mc:Fallback xmlns="">
       <p:transition spd="med">
         <p:fade/>
       </p:transition>
@@ -2541,13 +2541,13 @@
   <p:clrMapOvr>
     <a:masterClrMapping/>
   </p:clrMapOvr>
-  <mc:AlternateContent xmlns:mc="http://schemas.openxmlformats.org/markup-compatibility/2006">
-    <mc:Choice xmlns:p14="http://schemas.microsoft.com/office/powerpoint/2010/main" Requires="p14">
+  <mc:AlternateContent xmlns:mc="http://schemas.openxmlformats.org/markup-compatibility/2006" xmlns:p14="http://schemas.microsoft.com/office/powerpoint/2010/main">
+    <mc:Choice Requires="p14">
       <p:transition spd="med" p14:dur="700">
         <p:fade/>
       </p:transition>
     </mc:Choice>
-    <mc:Fallback>
+    <mc:Fallback xmlns="">
       <p:transition spd="med">
         <p:fade/>
       </p:transition>
@@ -2818,13 +2818,13 @@
     <p:sldLayoutId id="2147483658" r:id="rId10"/>
     <p:sldLayoutId id="2147483659" r:id="rId11"/>
   </p:sldLayoutIdLst>
-  <mc:AlternateContent xmlns:mc="http://schemas.openxmlformats.org/markup-compatibility/2006">
-    <mc:Choice xmlns:p14="http://schemas.microsoft.com/office/powerpoint/2010/main" Requires="p14">
+  <mc:AlternateContent xmlns:mc="http://schemas.openxmlformats.org/markup-compatibility/2006" xmlns:p14="http://schemas.microsoft.com/office/powerpoint/2010/main">
+    <mc:Choice Requires="p14">
       <p:transition spd="med" p14:dur="700">
         <p:fade/>
       </p:transition>
     </mc:Choice>
-    <mc:Fallback>
+    <mc:Fallback xmlns="">
       <p:transition spd="med">
         <p:fade/>
       </p:transition>
@@ -3261,13 +3261,13 @@
   <p:clrMapOvr>
     <a:masterClrMapping/>
   </p:clrMapOvr>
-  <mc:AlternateContent xmlns:mc="http://schemas.openxmlformats.org/markup-compatibility/2006">
-    <mc:Choice xmlns:p14="http://schemas.microsoft.com/office/powerpoint/2010/main" Requires="p14">
+  <mc:AlternateContent xmlns:mc="http://schemas.openxmlformats.org/markup-compatibility/2006" xmlns:p14="http://schemas.microsoft.com/office/powerpoint/2010/main">
+    <mc:Choice Requires="p14">
       <p:transition spd="med" p14:dur="700">
         <p:fade/>
       </p:transition>
     </mc:Choice>
-    <mc:Fallback>
+    <mc:Fallback xmlns="">
       <p:transition spd="med">
         <p:fade/>
       </p:transition>
@@ -3450,13 +3450,13 @@
   <p:clrMapOvr>
     <a:masterClrMapping/>
   </p:clrMapOvr>
-  <mc:AlternateContent xmlns:mc="http://schemas.openxmlformats.org/markup-compatibility/2006">
-    <mc:Choice xmlns:p14="http://schemas.microsoft.com/office/powerpoint/2010/main" Requires="p14">
+  <mc:AlternateContent xmlns:mc="http://schemas.openxmlformats.org/markup-compatibility/2006" xmlns:p14="http://schemas.microsoft.com/office/powerpoint/2010/main">
+    <mc:Choice Requires="p14">
       <p:transition spd="med" p14:dur="700">
         <p:fade/>
       </p:transition>
     </mc:Choice>
-    <mc:Fallback>
+    <mc:Fallback xmlns="">
       <p:transition spd="med">
         <p:fade/>
       </p:transition>
@@ -3532,7 +3532,11 @@
             </a:pPr>
             <a:r>
               <a:rPr lang="en-GB" dirty="0" smtClean="0"/>
-              <a:t>Rails-on-Ruby (and SQLite)</a:t>
+              <a:t>Ruby-on-Rails </a:t>
+            </a:r>
+            <a:r>
+              <a:rPr lang="en-GB" dirty="0" smtClean="0"/>
+              <a:t>(and SQLite)</a:t>
             </a:r>
           </a:p>
           <a:p>
@@ -3596,13 +3600,13 @@
   <p:clrMapOvr>
     <a:masterClrMapping/>
   </p:clrMapOvr>
-  <mc:AlternateContent xmlns:mc="http://schemas.openxmlformats.org/markup-compatibility/2006">
-    <mc:Choice xmlns:p14="http://schemas.microsoft.com/office/powerpoint/2010/main" Requires="p14">
+  <mc:AlternateContent xmlns:mc="http://schemas.openxmlformats.org/markup-compatibility/2006" xmlns:p14="http://schemas.microsoft.com/office/powerpoint/2010/main">
+    <mc:Choice Requires="p14">
       <p:transition spd="med" p14:dur="700">
         <p:fade/>
       </p:transition>
     </mc:Choice>
-    <mc:Fallback>
+    <mc:Fallback xmlns="">
       <p:transition spd="med">
         <p:fade/>
       </p:transition>
@@ -3687,8 +3691,17 @@
             </a:pPr>
             <a:r>
               <a:rPr lang="en-GB" dirty="0" smtClean="0"/>
-              <a:t>Late start (but who didn’t have one)</a:t>
-            </a:r>
+              <a:t>We had a late </a:t>
+            </a:r>
+            <a:r>
+              <a:rPr lang="en-GB" dirty="0" smtClean="0"/>
+              <a:t>start (but </a:t>
+            </a:r>
+            <a:r>
+              <a:rPr lang="en-GB" dirty="0" smtClean="0"/>
+              <a:t>hey, who didn’t…)</a:t>
+            </a:r>
+            <a:endParaRPr lang="en-GB" dirty="0" smtClean="0"/>
           </a:p>
           <a:p>
             <a:pPr marL="0" indent="0">
@@ -3696,7 +3709,15 @@
             </a:pPr>
             <a:r>
               <a:rPr lang="en-GB" dirty="0" smtClean="0"/>
-              <a:t>Each of us had individual roles… with lots of room for overlap</a:t>
+              <a:t>Each of us had individual </a:t>
+            </a:r>
+            <a:r>
+              <a:rPr lang="en-GB" dirty="0" smtClean="0"/>
+              <a:t>roles with </a:t>
+            </a:r>
+            <a:r>
+              <a:rPr lang="en-GB" dirty="0" smtClean="0"/>
+              <a:t>lots of room for overlap</a:t>
             </a:r>
           </a:p>
           <a:p>
@@ -3838,13 +3859,13 @@
   <p:clrMapOvr>
     <a:masterClrMapping/>
   </p:clrMapOvr>
-  <mc:AlternateContent xmlns:mc="http://schemas.openxmlformats.org/markup-compatibility/2006">
-    <mc:Choice xmlns:p14="http://schemas.microsoft.com/office/powerpoint/2010/main" Requires="p14">
+  <mc:AlternateContent xmlns:mc="http://schemas.openxmlformats.org/markup-compatibility/2006" xmlns:p14="http://schemas.microsoft.com/office/powerpoint/2010/main">
+    <mc:Choice Requires="p14">
       <p:transition spd="med" p14:dur="700">
         <p:fade/>
       </p:transition>
     </mc:Choice>
-    <mc:Fallback>
+    <mc:Fallback xmlns="">
       <p:transition spd="med">
         <p:fade/>
       </p:transition>
@@ -3879,6 +3900,30 @@
       </p:grpSpPr>
       <p:pic>
         <p:nvPicPr>
+          <p:cNvPr id="6" name="Picture 5"/>
+          <p:cNvPicPr>
+            <a:picLocks noChangeAspect="1"/>
+          </p:cNvPicPr>
+          <p:nvPr/>
+        </p:nvPicPr>
+        <p:blipFill>
+          <a:blip r:embed="rId2"/>
+          <a:stretch>
+            <a:fillRect/>
+          </a:stretch>
+        </p:blipFill>
+        <p:spPr>
+          <a:xfrm>
+            <a:off x="2829867" y="1745636"/>
+            <a:ext cx="3250091" cy="2203677"/>
+          </a:xfrm>
+          <a:prstGeom prst="rect">
+            <a:avLst/>
+          </a:prstGeom>
+        </p:spPr>
+      </p:pic>
+      <p:pic>
+        <p:nvPicPr>
           <p:cNvPr id="2" name="Picture 1"/>
           <p:cNvPicPr>
             <a:picLocks noChangeAspect="1"/>
@@ -3886,7 +3931,7 @@
           <p:nvPr/>
         </p:nvPicPr>
         <p:blipFill>
-          <a:blip r:embed="rId2">
+          <a:blip r:embed="rId3">
             <a:extLst>
               <a:ext uri="{28A0092B-C50C-407E-A947-70E740481C1C}">
                 <a14:useLocalDpi xmlns:a14="http://schemas.microsoft.com/office/drawing/2010/main" val="0"/>
@@ -3909,40 +3954,6 @@
       </p:pic>
       <p:sp>
         <p:nvSpPr>
-          <p:cNvPr id="4" name="Title 3"/>
-          <p:cNvSpPr>
-            <a:spLocks noGrp="1"/>
-          </p:cNvSpPr>
-          <p:nvPr>
-            <p:ph type="ctrTitle"/>
-          </p:nvPr>
-        </p:nvSpPr>
-        <p:spPr>
-          <a:xfrm>
-            <a:off x="3192379" y="2253916"/>
-            <a:ext cx="2903621" cy="1507958"/>
-          </a:xfrm>
-        </p:spPr>
-        <p:txBody>
-          <a:bodyPr>
-            <a:normAutofit/>
-          </a:bodyPr>
-          <a:lstStyle/>
-          <a:p>
-            <a:r>
-              <a:rPr lang="en-GB" sz="9600" dirty="0" smtClean="0">
-                <a:latin typeface="Lavanderia Regular" pitchFamily="50" charset="0"/>
-              </a:rPr>
-              <a:t>Fin.</a:t>
-            </a:r>
-            <a:endParaRPr lang="en-GB" sz="9600" dirty="0">
-              <a:latin typeface="Lavanderia Regular" pitchFamily="50" charset="0"/>
-            </a:endParaRPr>
-          </a:p>
-        </p:txBody>
-      </p:sp>
-      <p:sp>
-        <p:nvSpPr>
           <p:cNvPr id="5" name="Subtitle 4"/>
           <p:cNvSpPr>
             <a:spLocks noGrp="1"/>
@@ -4000,13 +4011,7 @@
               <a:rPr lang="en-GB" dirty="0" smtClean="0">
                 <a:latin typeface="+mj-lt"/>
               </a:rPr>
-              <a:t>and to all of you for </a:t>
-            </a:r>
-            <a:r>
-              <a:rPr lang="en-GB" dirty="0" smtClean="0">
-                <a:latin typeface="+mj-lt"/>
-              </a:rPr>
-              <a:t>listening!</a:t>
+              <a:t>and to all of you for listening!</a:t>
             </a:r>
             <a:endParaRPr lang="en-GB" dirty="0">
               <a:latin typeface="+mj-lt"/>
@@ -4024,13 +4029,13 @@
   <p:clrMapOvr>
     <a:masterClrMapping/>
   </p:clrMapOvr>
-  <mc:AlternateContent xmlns:mc="http://schemas.openxmlformats.org/markup-compatibility/2006">
-    <mc:Choice xmlns:p14="http://schemas.microsoft.com/office/powerpoint/2010/main" Requires="p14">
+  <mc:AlternateContent xmlns:mc="http://schemas.openxmlformats.org/markup-compatibility/2006" xmlns:p14="http://schemas.microsoft.com/office/powerpoint/2010/main">
+    <mc:Choice Requires="p14">
       <p:transition spd="med" p14:dur="700">
         <p:fade/>
       </p:transition>
     </mc:Choice>
-    <mc:Fallback>
+    <mc:Fallback xmlns="">
       <p:transition spd="med">
         <p:fade/>
       </p:transition>
@@ -4160,13 +4165,13 @@
   <p:clrMapOvr>
     <a:masterClrMapping/>
   </p:clrMapOvr>
-  <mc:AlternateContent xmlns:mc="http://schemas.openxmlformats.org/markup-compatibility/2006">
-    <mc:Choice xmlns:p14="http://schemas.microsoft.com/office/powerpoint/2010/main" Requires="p14">
+  <mc:AlternateContent xmlns:mc="http://schemas.openxmlformats.org/markup-compatibility/2006" xmlns:p14="http://schemas.microsoft.com/office/powerpoint/2010/main">
+    <mc:Choice Requires="p14">
       <p:transition spd="med" p14:dur="700">
         <p:fade/>
       </p:transition>
     </mc:Choice>
-    <mc:Fallback>
+    <mc:Fallback xmlns="">
       <p:transition spd="med">
         <p:fade/>
       </p:transition>
@@ -4774,13 +4779,13 @@
   <p:clrMapOvr>
     <a:masterClrMapping/>
   </p:clrMapOvr>
-  <mc:AlternateContent xmlns:mc="http://schemas.openxmlformats.org/markup-compatibility/2006">
-    <mc:Choice xmlns:p14="http://schemas.microsoft.com/office/powerpoint/2010/main" Requires="p14">
+  <mc:AlternateContent xmlns:mc="http://schemas.openxmlformats.org/markup-compatibility/2006" xmlns:p14="http://schemas.microsoft.com/office/powerpoint/2010/main">
+    <mc:Choice Requires="p14">
       <p:transition spd="med" p14:dur="700">
         <p:fade/>
       </p:transition>
     </mc:Choice>
-    <mc:Fallback>
+    <mc:Fallback xmlns="">
       <p:transition spd="med">
         <p:fade/>
       </p:transition>
@@ -4908,13 +4913,13 @@
   <p:clrMapOvr>
     <a:masterClrMapping/>
   </p:clrMapOvr>
-  <mc:AlternateContent xmlns:mc="http://schemas.openxmlformats.org/markup-compatibility/2006">
-    <mc:Choice xmlns:p14="http://schemas.microsoft.com/office/powerpoint/2010/main" Requires="p14">
+  <mc:AlternateContent xmlns:mc="http://schemas.openxmlformats.org/markup-compatibility/2006" xmlns:p14="http://schemas.microsoft.com/office/powerpoint/2010/main">
+    <mc:Choice Requires="p14">
       <p:transition spd="med" p14:dur="700">
         <p:fade/>
       </p:transition>
     </mc:Choice>
-    <mc:Fallback>
+    <mc:Fallback xmlns="">
       <p:transition spd="med">
         <p:fade/>
       </p:transition>
@@ -5042,13 +5047,13 @@
   <p:clrMapOvr>
     <a:masterClrMapping/>
   </p:clrMapOvr>
-  <mc:AlternateContent xmlns:mc="http://schemas.openxmlformats.org/markup-compatibility/2006">
-    <mc:Choice xmlns:p14="http://schemas.microsoft.com/office/powerpoint/2010/main" Requires="p14">
+  <mc:AlternateContent xmlns:mc="http://schemas.openxmlformats.org/markup-compatibility/2006" xmlns:p14="http://schemas.microsoft.com/office/powerpoint/2010/main">
+    <mc:Choice Requires="p14">
       <p:transition spd="med" p14:dur="700">
         <p:fade/>
       </p:transition>
     </mc:Choice>
-    <mc:Fallback>
+    <mc:Fallback xmlns="">
       <p:transition spd="med">
         <p:fade/>
       </p:transition>
@@ -5176,13 +5181,13 @@
   <p:clrMapOvr>
     <a:masterClrMapping/>
   </p:clrMapOvr>
-  <mc:AlternateContent xmlns:mc="http://schemas.openxmlformats.org/markup-compatibility/2006">
-    <mc:Choice xmlns:p14="http://schemas.microsoft.com/office/powerpoint/2010/main" Requires="p14">
+  <mc:AlternateContent xmlns:mc="http://schemas.openxmlformats.org/markup-compatibility/2006" xmlns:p14="http://schemas.microsoft.com/office/powerpoint/2010/main">
+    <mc:Choice Requires="p14">
       <p:transition spd="med" p14:dur="700">
         <p:fade/>
       </p:transition>
     </mc:Choice>
-    <mc:Fallback>
+    <mc:Fallback xmlns="">
       <p:transition spd="med">
         <p:fade/>
       </p:transition>
@@ -5310,13 +5315,13 @@
   <p:clrMapOvr>
     <a:masterClrMapping/>
   </p:clrMapOvr>
-  <mc:AlternateContent xmlns:mc="http://schemas.openxmlformats.org/markup-compatibility/2006">
-    <mc:Choice xmlns:p14="http://schemas.microsoft.com/office/powerpoint/2010/main" Requires="p14">
+  <mc:AlternateContent xmlns:mc="http://schemas.openxmlformats.org/markup-compatibility/2006" xmlns:p14="http://schemas.microsoft.com/office/powerpoint/2010/main">
+    <mc:Choice Requires="p14">
       <p:transition spd="med" p14:dur="700">
         <p:fade/>
       </p:transition>
     </mc:Choice>
-    <mc:Fallback>
+    <mc:Fallback xmlns="">
       <p:transition spd="med">
         <p:fade/>
       </p:transition>
@@ -5444,13 +5449,13 @@
   <p:clrMapOvr>
     <a:masterClrMapping/>
   </p:clrMapOvr>
-  <mc:AlternateContent xmlns:mc="http://schemas.openxmlformats.org/markup-compatibility/2006">
-    <mc:Choice xmlns:p14="http://schemas.microsoft.com/office/powerpoint/2010/main" Requires="p14">
+  <mc:AlternateContent xmlns:mc="http://schemas.openxmlformats.org/markup-compatibility/2006" xmlns:p14="http://schemas.microsoft.com/office/powerpoint/2010/main">
+    <mc:Choice Requires="p14">
       <p:transition spd="med" p14:dur="700">
         <p:fade/>
       </p:transition>
     </mc:Choice>
-    <mc:Fallback>
+    <mc:Fallback xmlns="">
       <p:transition spd="med">
         <p:fade/>
       </p:transition>
@@ -5578,13 +5583,13 @@
   <p:clrMapOvr>
     <a:masterClrMapping/>
   </p:clrMapOvr>
-  <mc:AlternateContent xmlns:mc="http://schemas.openxmlformats.org/markup-compatibility/2006">
-    <mc:Choice xmlns:p14="http://schemas.microsoft.com/office/powerpoint/2010/main" Requires="p14">
+  <mc:AlternateContent xmlns:mc="http://schemas.openxmlformats.org/markup-compatibility/2006" xmlns:p14="http://schemas.microsoft.com/office/powerpoint/2010/main">
+    <mc:Choice Requires="p14">
       <p:transition spd="med" p14:dur="700">
         <p:fade/>
       </p:transition>
     </mc:Choice>
-    <mc:Fallback>
+    <mc:Fallback xmlns="">
       <p:transition spd="med">
         <p:fade/>
       </p:transition>

--- a/presentation/group5_presentation.pptx
+++ b/presentation/group5_presentation.pptx
@@ -255,7 +255,7 @@
           <a:p>
             <a:fld id="{DDD4F82C-F9C9-4898-82C3-7F9704DC0A24}" type="datetimeFigureOut">
               <a:rPr lang="en-GB" smtClean="0"/>
-              <a:t>12/05/2015</a:t>
+              <a:t>13/05/2015</a:t>
             </a:fld>
             <a:endParaRPr lang="en-GB"/>
           </a:p>
@@ -315,12 +315,12 @@
   </p:clrMapOvr>
   <mc:AlternateContent xmlns:mc="http://schemas.openxmlformats.org/markup-compatibility/2006" xmlns:p14="http://schemas.microsoft.com/office/powerpoint/2010/main">
     <mc:Choice Requires="p14">
-      <p:transition spd="med" p14:dur="700">
+      <p:transition p14:dur="250">
         <p:fade/>
       </p:transition>
     </mc:Choice>
     <mc:Fallback xmlns="">
-      <p:transition spd="med">
+      <p:transition>
         <p:fade/>
       </p:transition>
     </mc:Fallback>
@@ -437,7 +437,7 @@
           <a:p>
             <a:fld id="{DDD4F82C-F9C9-4898-82C3-7F9704DC0A24}" type="datetimeFigureOut">
               <a:rPr lang="en-GB" smtClean="0"/>
-              <a:t>12/05/2015</a:t>
+              <a:t>13/05/2015</a:t>
             </a:fld>
             <a:endParaRPr lang="en-GB"/>
           </a:p>
@@ -497,12 +497,12 @@
   </p:clrMapOvr>
   <mc:AlternateContent xmlns:mc="http://schemas.openxmlformats.org/markup-compatibility/2006" xmlns:p14="http://schemas.microsoft.com/office/powerpoint/2010/main">
     <mc:Choice Requires="p14">
-      <p:transition spd="med" p14:dur="700">
+      <p:transition p14:dur="250">
         <p:fade/>
       </p:transition>
     </mc:Choice>
     <mc:Fallback xmlns="">
-      <p:transition spd="med">
+      <p:transition>
         <p:fade/>
       </p:transition>
     </mc:Fallback>
@@ -629,7 +629,7 @@
           <a:p>
             <a:fld id="{DDD4F82C-F9C9-4898-82C3-7F9704DC0A24}" type="datetimeFigureOut">
               <a:rPr lang="en-GB" smtClean="0"/>
-              <a:t>12/05/2015</a:t>
+              <a:t>13/05/2015</a:t>
             </a:fld>
             <a:endParaRPr lang="en-GB"/>
           </a:p>
@@ -689,12 +689,12 @@
   </p:clrMapOvr>
   <mc:AlternateContent xmlns:mc="http://schemas.openxmlformats.org/markup-compatibility/2006" xmlns:p14="http://schemas.microsoft.com/office/powerpoint/2010/main">
     <mc:Choice Requires="p14">
-      <p:transition spd="med" p14:dur="700">
+      <p:transition p14:dur="250">
         <p:fade/>
       </p:transition>
     </mc:Choice>
     <mc:Fallback xmlns="">
-      <p:transition spd="med">
+      <p:transition>
         <p:fade/>
       </p:transition>
     </mc:Fallback>
@@ -811,7 +811,7 @@
           <a:p>
             <a:fld id="{DDD4F82C-F9C9-4898-82C3-7F9704DC0A24}" type="datetimeFigureOut">
               <a:rPr lang="en-GB" smtClean="0"/>
-              <a:t>12/05/2015</a:t>
+              <a:t>13/05/2015</a:t>
             </a:fld>
             <a:endParaRPr lang="en-GB"/>
           </a:p>
@@ -871,12 +871,12 @@
   </p:clrMapOvr>
   <mc:AlternateContent xmlns:mc="http://schemas.openxmlformats.org/markup-compatibility/2006" xmlns:p14="http://schemas.microsoft.com/office/powerpoint/2010/main">
     <mc:Choice Requires="p14">
-      <p:transition spd="med" p14:dur="700">
+      <p:transition p14:dur="250">
         <p:fade/>
       </p:transition>
     </mc:Choice>
     <mc:Fallback xmlns="">
-      <p:transition spd="med">
+      <p:transition>
         <p:fade/>
       </p:transition>
     </mc:Fallback>
@@ -1069,7 +1069,7 @@
           <a:p>
             <a:fld id="{DDD4F82C-F9C9-4898-82C3-7F9704DC0A24}" type="datetimeFigureOut">
               <a:rPr lang="en-GB" smtClean="0"/>
-              <a:t>12/05/2015</a:t>
+              <a:t>13/05/2015</a:t>
             </a:fld>
             <a:endParaRPr lang="en-GB"/>
           </a:p>
@@ -1129,12 +1129,12 @@
   </p:clrMapOvr>
   <mc:AlternateContent xmlns:mc="http://schemas.openxmlformats.org/markup-compatibility/2006" xmlns:p14="http://schemas.microsoft.com/office/powerpoint/2010/main">
     <mc:Choice Requires="p14">
-      <p:transition spd="med" p14:dur="700">
+      <p:transition p14:dur="250">
         <p:fade/>
       </p:transition>
     </mc:Choice>
     <mc:Fallback xmlns="">
-      <p:transition spd="med">
+      <p:transition>
         <p:fade/>
       </p:transition>
     </mc:Fallback>
@@ -1313,7 +1313,7 @@
           <a:p>
             <a:fld id="{DDD4F82C-F9C9-4898-82C3-7F9704DC0A24}" type="datetimeFigureOut">
               <a:rPr lang="en-GB" smtClean="0"/>
-              <a:t>12/05/2015</a:t>
+              <a:t>13/05/2015</a:t>
             </a:fld>
             <a:endParaRPr lang="en-GB"/>
           </a:p>
@@ -1373,12 +1373,12 @@
   </p:clrMapOvr>
   <mc:AlternateContent xmlns:mc="http://schemas.openxmlformats.org/markup-compatibility/2006" xmlns:p14="http://schemas.microsoft.com/office/powerpoint/2010/main">
     <mc:Choice Requires="p14">
-      <p:transition spd="med" p14:dur="700">
+      <p:transition p14:dur="250">
         <p:fade/>
       </p:transition>
     </mc:Choice>
     <mc:Fallback xmlns="">
-      <p:transition spd="med">
+      <p:transition>
         <p:fade/>
       </p:transition>
     </mc:Fallback>
@@ -1692,7 +1692,7 @@
           <a:p>
             <a:fld id="{DDD4F82C-F9C9-4898-82C3-7F9704DC0A24}" type="datetimeFigureOut">
               <a:rPr lang="en-GB" smtClean="0"/>
-              <a:t>12/05/2015</a:t>
+              <a:t>13/05/2015</a:t>
             </a:fld>
             <a:endParaRPr lang="en-GB"/>
           </a:p>
@@ -1752,12 +1752,12 @@
   </p:clrMapOvr>
   <mc:AlternateContent xmlns:mc="http://schemas.openxmlformats.org/markup-compatibility/2006" xmlns:p14="http://schemas.microsoft.com/office/powerpoint/2010/main">
     <mc:Choice Requires="p14">
-      <p:transition spd="med" p14:dur="700">
+      <p:transition p14:dur="250">
         <p:fade/>
       </p:transition>
     </mc:Choice>
     <mc:Fallback xmlns="">
-      <p:transition spd="med">
+      <p:transition>
         <p:fade/>
       </p:transition>
     </mc:Fallback>
@@ -1822,7 +1822,7 @@
           <a:p>
             <a:fld id="{DDD4F82C-F9C9-4898-82C3-7F9704DC0A24}" type="datetimeFigureOut">
               <a:rPr lang="en-GB" smtClean="0"/>
-              <a:t>12/05/2015</a:t>
+              <a:t>13/05/2015</a:t>
             </a:fld>
             <a:endParaRPr lang="en-GB"/>
           </a:p>
@@ -1882,12 +1882,12 @@
   </p:clrMapOvr>
   <mc:AlternateContent xmlns:mc="http://schemas.openxmlformats.org/markup-compatibility/2006" xmlns:p14="http://schemas.microsoft.com/office/powerpoint/2010/main">
     <mc:Choice Requires="p14">
-      <p:transition spd="med" p14:dur="700">
+      <p:transition p14:dur="250">
         <p:fade/>
       </p:transition>
     </mc:Choice>
     <mc:Fallback xmlns="">
-      <p:transition spd="med">
+      <p:transition>
         <p:fade/>
       </p:transition>
     </mc:Fallback>
@@ -1929,7 +1929,7 @@
           <a:p>
             <a:fld id="{DDD4F82C-F9C9-4898-82C3-7F9704DC0A24}" type="datetimeFigureOut">
               <a:rPr lang="en-GB" smtClean="0"/>
-              <a:t>12/05/2015</a:t>
+              <a:t>13/05/2015</a:t>
             </a:fld>
             <a:endParaRPr lang="en-GB"/>
           </a:p>
@@ -1989,12 +1989,12 @@
   </p:clrMapOvr>
   <mc:AlternateContent xmlns:mc="http://schemas.openxmlformats.org/markup-compatibility/2006" xmlns:p14="http://schemas.microsoft.com/office/powerpoint/2010/main">
     <mc:Choice Requires="p14">
-      <p:transition spd="med" p14:dur="700">
+      <p:transition p14:dur="250">
         <p:fade/>
       </p:transition>
     </mc:Choice>
     <mc:Fallback xmlns="">
-      <p:transition spd="med">
+      <p:transition>
         <p:fade/>
       </p:transition>
     </mc:Fallback>
@@ -2218,7 +2218,7 @@
           <a:p>
             <a:fld id="{DDD4F82C-F9C9-4898-82C3-7F9704DC0A24}" type="datetimeFigureOut">
               <a:rPr lang="en-GB" smtClean="0"/>
-              <a:t>12/05/2015</a:t>
+              <a:t>13/05/2015</a:t>
             </a:fld>
             <a:endParaRPr lang="en-GB"/>
           </a:p>
@@ -2278,12 +2278,12 @@
   </p:clrMapOvr>
   <mc:AlternateContent xmlns:mc="http://schemas.openxmlformats.org/markup-compatibility/2006" xmlns:p14="http://schemas.microsoft.com/office/powerpoint/2010/main">
     <mc:Choice Requires="p14">
-      <p:transition spd="med" p14:dur="700">
+      <p:transition p14:dur="250">
         <p:fade/>
       </p:transition>
     </mc:Choice>
     <mc:Fallback xmlns="">
-      <p:transition spd="med">
+      <p:transition>
         <p:fade/>
       </p:transition>
     </mc:Fallback>
@@ -2483,7 +2483,7 @@
           <a:p>
             <a:fld id="{DDD4F82C-F9C9-4898-82C3-7F9704DC0A24}" type="datetimeFigureOut">
               <a:rPr lang="en-GB" smtClean="0"/>
-              <a:t>12/05/2015</a:t>
+              <a:t>13/05/2015</a:t>
             </a:fld>
             <a:endParaRPr lang="en-GB"/>
           </a:p>
@@ -2543,12 +2543,12 @@
   </p:clrMapOvr>
   <mc:AlternateContent xmlns:mc="http://schemas.openxmlformats.org/markup-compatibility/2006" xmlns:p14="http://schemas.microsoft.com/office/powerpoint/2010/main">
     <mc:Choice Requires="p14">
-      <p:transition spd="med" p14:dur="700">
+      <p:transition p14:dur="250">
         <p:fade/>
       </p:transition>
     </mc:Choice>
     <mc:Fallback xmlns="">
-      <p:transition spd="med">
+      <p:transition>
         <p:fade/>
       </p:transition>
     </mc:Fallback>
@@ -2710,7 +2710,7 @@
             <a:fld id="{DDD4F82C-F9C9-4898-82C3-7F9704DC0A24}" type="datetimeFigureOut">
               <a:rPr lang="en-GB" smtClean="0"/>
               <a:pPr/>
-              <a:t>12/05/2015</a:t>
+              <a:t>13/05/2015</a:t>
             </a:fld>
             <a:endParaRPr lang="en-GB"/>
           </a:p>
@@ -2820,12 +2820,12 @@
   </p:sldLayoutIdLst>
   <mc:AlternateContent xmlns:mc="http://schemas.openxmlformats.org/markup-compatibility/2006" xmlns:p14="http://schemas.microsoft.com/office/powerpoint/2010/main">
     <mc:Choice Requires="p14">
-      <p:transition spd="med" p14:dur="700">
+      <p:transition p14:dur="250">
         <p:fade/>
       </p:transition>
     </mc:Choice>
     <mc:Fallback xmlns="">
-      <p:transition spd="med">
+      <p:transition>
         <p:fade/>
       </p:transition>
     </mc:Fallback>
@@ -3263,12 +3263,12 @@
   </p:clrMapOvr>
   <mc:AlternateContent xmlns:mc="http://schemas.openxmlformats.org/markup-compatibility/2006" xmlns:p14="http://schemas.microsoft.com/office/powerpoint/2010/main">
     <mc:Choice Requires="p14">
-      <p:transition spd="med" p14:dur="700">
+      <p:transition p14:dur="250">
         <p:fade/>
       </p:transition>
     </mc:Choice>
     <mc:Fallback xmlns="">
-      <p:transition spd="med">
+      <p:transition>
         <p:fade/>
       </p:transition>
     </mc:Fallback>
@@ -3452,12 +3452,12 @@
   </p:clrMapOvr>
   <mc:AlternateContent xmlns:mc="http://schemas.openxmlformats.org/markup-compatibility/2006" xmlns:p14="http://schemas.microsoft.com/office/powerpoint/2010/main">
     <mc:Choice Requires="p14">
-      <p:transition spd="med" p14:dur="700">
+      <p:transition p14:dur="250">
         <p:fade/>
       </p:transition>
     </mc:Choice>
     <mc:Fallback xmlns="">
-      <p:transition spd="med">
+      <p:transition>
         <p:fade/>
       </p:transition>
     </mc:Fallback>
@@ -3532,11 +3532,7 @@
             </a:pPr>
             <a:r>
               <a:rPr lang="en-GB" dirty="0" smtClean="0"/>
-              <a:t>Ruby-on-Rails </a:t>
-            </a:r>
-            <a:r>
-              <a:rPr lang="en-GB" dirty="0" smtClean="0"/>
-              <a:t>(and SQLite)</a:t>
+              <a:t>Ruby-on-Rails (and SQLite)</a:t>
             </a:r>
           </a:p>
           <a:p>
@@ -3602,12 +3598,12 @@
   </p:clrMapOvr>
   <mc:AlternateContent xmlns:mc="http://schemas.openxmlformats.org/markup-compatibility/2006" xmlns:p14="http://schemas.microsoft.com/office/powerpoint/2010/main">
     <mc:Choice Requires="p14">
-      <p:transition spd="med" p14:dur="700">
+      <p:transition p14:dur="250">
         <p:fade/>
       </p:transition>
     </mc:Choice>
     <mc:Fallback xmlns="">
-      <p:transition spd="med">
+      <p:transition>
         <p:fade/>
       </p:transition>
     </mc:Fallback>
@@ -3677,53 +3673,24 @@
           <a:bodyPr/>
           <a:lstStyle/>
           <a:p>
-            <a:pPr marL="0" indent="0">
-              <a:buNone/>
-            </a:pPr>
             <a:r>
               <a:rPr lang="en-GB" dirty="0" smtClean="0"/>
               <a:t>Kept up using Slack and Git!</a:t>
             </a:r>
           </a:p>
           <a:p>
-            <a:pPr marL="0" indent="0">
-              <a:buNone/>
-            </a:pPr>
             <a:r>
               <a:rPr lang="en-GB" dirty="0" smtClean="0"/>
-              <a:t>We had a late </a:t>
-            </a:r>
+              <a:t>We had a late start (but hey, who didn’t…)</a:t>
+            </a:r>
+          </a:p>
+          <a:p>
             <a:r>
               <a:rPr lang="en-GB" dirty="0" smtClean="0"/>
-              <a:t>start (but </a:t>
-            </a:r>
-            <a:r>
-              <a:rPr lang="en-GB" dirty="0" smtClean="0"/>
-              <a:t>hey, who didn’t…)</a:t>
-            </a:r>
-            <a:endParaRPr lang="en-GB" dirty="0" smtClean="0"/>
-          </a:p>
-          <a:p>
-            <a:pPr marL="0" indent="0">
-              <a:buNone/>
-            </a:pPr>
-            <a:r>
-              <a:rPr lang="en-GB" dirty="0" smtClean="0"/>
-              <a:t>Each of us had individual </a:t>
-            </a:r>
-            <a:r>
-              <a:rPr lang="en-GB" dirty="0" smtClean="0"/>
-              <a:t>roles with </a:t>
-            </a:r>
-            <a:r>
-              <a:rPr lang="en-GB" dirty="0" smtClean="0"/>
-              <a:t>lots of room for overlap</a:t>
-            </a:r>
-          </a:p>
-          <a:p>
-            <a:pPr marL="0" indent="0">
-              <a:buNone/>
-            </a:pPr>
+              <a:t>Each of us had individual roles with lots of room for overlap</a:t>
+            </a:r>
+          </a:p>
+          <a:p>
             <a:r>
               <a:rPr lang="en-GB" dirty="0" smtClean="0"/>
               <a:t>Windows vs Unix</a:t>
@@ -3861,12 +3828,12 @@
   </p:clrMapOvr>
   <mc:AlternateContent xmlns:mc="http://schemas.openxmlformats.org/markup-compatibility/2006" xmlns:p14="http://schemas.microsoft.com/office/powerpoint/2010/main">
     <mc:Choice Requires="p14">
-      <p:transition spd="med" p14:dur="700">
+      <p:transition p14:dur="250">
         <p:fade/>
       </p:transition>
     </mc:Choice>
     <mc:Fallback xmlns="">
-      <p:transition spd="med">
+      <p:transition>
         <p:fade/>
       </p:transition>
     </mc:Fallback>
@@ -4031,12 +3998,12 @@
   </p:clrMapOvr>
   <mc:AlternateContent xmlns:mc="http://schemas.openxmlformats.org/markup-compatibility/2006" xmlns:p14="http://schemas.microsoft.com/office/powerpoint/2010/main">
     <mc:Choice Requires="p14">
-      <p:transition spd="med" p14:dur="700">
+      <p:transition p14:dur="250">
         <p:fade/>
       </p:transition>
     </mc:Choice>
     <mc:Fallback xmlns="">
-      <p:transition spd="med">
+      <p:transition>
         <p:fade/>
       </p:transition>
     </mc:Fallback>
@@ -4109,45 +4076,30 @@
           <a:bodyPr/>
           <a:lstStyle/>
           <a:p>
-            <a:pPr marL="0" indent="0">
-              <a:buNone/>
-            </a:pPr>
             <a:r>
               <a:rPr lang="en-GB" dirty="0" smtClean="0"/>
               <a:t>Users who form part of a small group/team</a:t>
             </a:r>
           </a:p>
           <a:p>
-            <a:pPr marL="0" indent="0">
-              <a:buNone/>
-            </a:pPr>
             <a:r>
               <a:rPr lang="en-GB" dirty="0" smtClean="0"/>
               <a:t>Each user takes turns writing challenges for other users to solve</a:t>
             </a:r>
           </a:p>
           <a:p>
-            <a:pPr marL="0" indent="0">
-              <a:buNone/>
-            </a:pPr>
             <a:r>
               <a:rPr lang="en-GB" dirty="0" smtClean="0"/>
               <a:t>Multiple rounds, like an ongoing tournament</a:t>
             </a:r>
           </a:p>
           <a:p>
-            <a:pPr marL="0" indent="0">
-              <a:buNone/>
-            </a:pPr>
             <a:r>
               <a:rPr lang="en-GB" dirty="0" smtClean="0"/>
               <a:t>Each round of tournament has a question-master, who sets the challenge and timescale, and scores the solutions afterwards</a:t>
             </a:r>
           </a:p>
           <a:p>
-            <a:pPr marL="0" indent="0">
-              <a:buNone/>
-            </a:pPr>
             <a:r>
               <a:rPr lang="en-GB" dirty="0" smtClean="0"/>
               <a:t>Separate instance for each group – e.g. yourteamname.robin.com (like Slack)</a:t>
@@ -4167,12 +4119,12 @@
   </p:clrMapOvr>
   <mc:AlternateContent xmlns:mc="http://schemas.openxmlformats.org/markup-compatibility/2006" xmlns:p14="http://schemas.microsoft.com/office/powerpoint/2010/main">
     <mc:Choice Requires="p14">
-      <p:transition spd="med" p14:dur="700">
+      <p:transition p14:dur="250">
         <p:fade/>
       </p:transition>
     </mc:Choice>
     <mc:Fallback xmlns="">
-      <p:transition spd="med">
+      <p:transition>
         <p:fade/>
       </p:transition>
     </mc:Fallback>
@@ -4206,6 +4158,57 @@
       </p:grpSpPr>
       <p:sp>
         <p:nvSpPr>
+          <p:cNvPr id="6" name="Explosion 1 5"/>
+          <p:cNvSpPr/>
+          <p:nvPr/>
+        </p:nvSpPr>
+        <p:spPr>
+          <a:xfrm>
+            <a:off x="433144" y="3115770"/>
+            <a:ext cx="2982350" cy="2926080"/>
+          </a:xfrm>
+          <a:prstGeom prst="irregularSeal1">
+            <a:avLst/>
+          </a:prstGeom>
+          <a:solidFill>
+            <a:schemeClr val="accent4">
+              <a:lumMod val="20000"/>
+              <a:lumOff val="80000"/>
+            </a:schemeClr>
+          </a:solidFill>
+          <a:ln>
+            <a:solidFill>
+              <a:schemeClr val="bg1"/>
+            </a:solidFill>
+          </a:ln>
+        </p:spPr>
+        <p:style>
+          <a:lnRef idx="2">
+            <a:schemeClr val="accent1">
+              <a:shade val="50000"/>
+            </a:schemeClr>
+          </a:lnRef>
+          <a:fillRef idx="1">
+            <a:schemeClr val="accent1"/>
+          </a:fillRef>
+          <a:effectRef idx="0">
+            <a:schemeClr val="accent1"/>
+          </a:effectRef>
+          <a:fontRef idx="minor">
+            <a:schemeClr val="lt1"/>
+          </a:fontRef>
+        </p:style>
+        <p:txBody>
+          <a:bodyPr rtlCol="0" anchor="ctr"/>
+          <a:lstStyle/>
+          <a:p>
+            <a:pPr algn="ctr"/>
+            <a:endParaRPr lang="en-GB"/>
+          </a:p>
+        </p:txBody>
+      </p:sp>
+      <p:sp>
+        <p:nvSpPr>
           <p:cNvPr id="2" name="Title 1"/>
           <p:cNvSpPr>
             <a:spLocks noGrp="1"/>
@@ -4248,8 +4251,12 @@
               <a:buNone/>
             </a:pPr>
             <a:r>
+              <a:rPr lang="en-GB" b="1" dirty="0" smtClean="0"/>
+              <a:t>Our brief</a:t>
+            </a:r>
+            <a:r>
               <a:rPr lang="en-GB" dirty="0" smtClean="0"/>
-              <a:t>Brief: teach programming, using elements of games to incentivise and encourage more learning.</a:t>
+              <a:t>: teach programming, using elements of games to incentivise and encourage more learning.</a:t>
             </a:r>
           </a:p>
           <a:p>
@@ -4264,7 +4271,7 @@
             </a:pPr>
             <a:r>
               <a:rPr lang="en-GB" dirty="0" smtClean="0"/>
-              <a:t>System to create challenges for other users</a:t>
+              <a:t>		System to create challenges for other users</a:t>
             </a:r>
           </a:p>
           <a:p>
@@ -4305,123 +4312,8 @@
             </a:r>
             <a:r>
               <a:rPr lang="en-GB" dirty="0" smtClean="0"/>
-              <a:t>challenging users you know</a:t>
-            </a:r>
-          </a:p>
-        </p:txBody>
-      </p:sp>
-      <p:sp>
-        <p:nvSpPr>
-          <p:cNvPr id="8" name="Freeform 7"/>
-          <p:cNvSpPr/>
-          <p:nvPr/>
-        </p:nvSpPr>
-        <p:spPr>
-          <a:xfrm>
-            <a:off x="7411453" y="2454442"/>
-            <a:ext cx="1442884" cy="1044840"/>
-          </a:xfrm>
-          <a:custGeom>
-            <a:avLst/>
-            <a:gdLst>
-              <a:gd name="connsiteX0" fmla="*/ 705853 w 867505"/>
-              <a:gd name="connsiteY0" fmla="*/ 0 h 1524000"/>
-              <a:gd name="connsiteX1" fmla="*/ 818147 w 867505"/>
-              <a:gd name="connsiteY1" fmla="*/ 1090863 h 1524000"/>
-              <a:gd name="connsiteX2" fmla="*/ 0 w 867505"/>
-              <a:gd name="connsiteY2" fmla="*/ 1524000 h 1524000"/>
-              <a:gd name="connsiteX0" fmla="*/ 1042738 w 1080831"/>
-              <a:gd name="connsiteY0" fmla="*/ 0 h 1251284"/>
-              <a:gd name="connsiteX1" fmla="*/ 818147 w 1080831"/>
-              <a:gd name="connsiteY1" fmla="*/ 818147 h 1251284"/>
-              <a:gd name="connsiteX2" fmla="*/ 0 w 1080831"/>
-              <a:gd name="connsiteY2" fmla="*/ 1251284 h 1251284"/>
-              <a:gd name="connsiteX0" fmla="*/ 1042738 w 1120517"/>
-              <a:gd name="connsiteY0" fmla="*/ 0 h 1251284"/>
-              <a:gd name="connsiteX1" fmla="*/ 978569 w 1120517"/>
-              <a:gd name="connsiteY1" fmla="*/ 834189 h 1251284"/>
-              <a:gd name="connsiteX2" fmla="*/ 0 w 1120517"/>
-              <a:gd name="connsiteY2" fmla="*/ 1251284 h 1251284"/>
-              <a:gd name="connsiteX0" fmla="*/ 1042738 w 1120517"/>
-              <a:gd name="connsiteY0" fmla="*/ 0 h 1251284"/>
-              <a:gd name="connsiteX1" fmla="*/ 978569 w 1120517"/>
-              <a:gd name="connsiteY1" fmla="*/ 834189 h 1251284"/>
-              <a:gd name="connsiteX2" fmla="*/ 0 w 1120517"/>
-              <a:gd name="connsiteY2" fmla="*/ 1251284 h 1251284"/>
-              <a:gd name="connsiteX0" fmla="*/ 1347538 w 1442884"/>
-              <a:gd name="connsiteY0" fmla="*/ 0 h 1042737"/>
-              <a:gd name="connsiteX1" fmla="*/ 1283369 w 1442884"/>
-              <a:gd name="connsiteY1" fmla="*/ 834189 h 1042737"/>
-              <a:gd name="connsiteX2" fmla="*/ 0 w 1442884"/>
-              <a:gd name="connsiteY2" fmla="*/ 1042737 h 1042737"/>
-              <a:gd name="connsiteX0" fmla="*/ 1347538 w 1442884"/>
-              <a:gd name="connsiteY0" fmla="*/ 0 h 1042737"/>
-              <a:gd name="connsiteX1" fmla="*/ 1283369 w 1442884"/>
-              <a:gd name="connsiteY1" fmla="*/ 834189 h 1042737"/>
-              <a:gd name="connsiteX2" fmla="*/ 0 w 1442884"/>
-              <a:gd name="connsiteY2" fmla="*/ 1042737 h 1042737"/>
-              <a:gd name="connsiteX0" fmla="*/ 1347538 w 1442884"/>
-              <a:gd name="connsiteY0" fmla="*/ 0 h 1044840"/>
-              <a:gd name="connsiteX1" fmla="*/ 1283369 w 1442884"/>
-              <a:gd name="connsiteY1" fmla="*/ 834189 h 1044840"/>
-              <a:gd name="connsiteX2" fmla="*/ 0 w 1442884"/>
-              <a:gd name="connsiteY2" fmla="*/ 1042737 h 1044840"/>
-            </a:gdLst>
-            <a:ahLst/>
-            <a:cxnLst>
-              <a:cxn ang="0">
-                <a:pos x="connsiteX0" y="connsiteY0"/>
-              </a:cxn>
-              <a:cxn ang="0">
-                <a:pos x="connsiteX1" y="connsiteY1"/>
-              </a:cxn>
-              <a:cxn ang="0">
-                <a:pos x="connsiteX2" y="connsiteY2"/>
-              </a:cxn>
-            </a:cxnLst>
-            <a:rect l="l" t="t" r="r" b="b"/>
-            <a:pathLst>
-              <a:path w="1442884" h="1044840">
-                <a:moveTo>
-                  <a:pt x="1347538" y="0"/>
-                </a:moveTo>
-                <a:cubicBezTo>
-                  <a:pt x="1462506" y="418431"/>
-                  <a:pt x="1507959" y="660400"/>
-                  <a:pt x="1283369" y="834189"/>
-                </a:cubicBezTo>
-                <a:cubicBezTo>
-                  <a:pt x="1058779" y="1007979"/>
-                  <a:pt x="409072" y="1056107"/>
-                  <a:pt x="0" y="1042737"/>
-                </a:cubicBezTo>
-              </a:path>
-            </a:pathLst>
-          </a:custGeom>
-          <a:ln w="28575">
-            <a:tailEnd type="stealth" w="lg" len="lg"/>
-          </a:ln>
-        </p:spPr>
-        <p:style>
-          <a:lnRef idx="3">
-            <a:schemeClr val="dk1"/>
-          </a:lnRef>
-          <a:fillRef idx="0">
-            <a:schemeClr val="dk1"/>
-          </a:fillRef>
-          <a:effectRef idx="2">
-            <a:schemeClr val="dk1"/>
-          </a:effectRef>
-          <a:fontRef idx="minor">
-            <a:schemeClr val="tx1"/>
-          </a:fontRef>
-        </p:style>
-        <p:txBody>
-          <a:bodyPr rtlCol="0" anchor="ctr"/>
-          <a:lstStyle/>
-          <a:p>
-            <a:pPr algn="ctr"/>
-            <a:endParaRPr lang="en-GB"/>
+              <a:t>challenging users who you know</a:t>
+            </a:r>
           </a:p>
         </p:txBody>
       </p:sp>
@@ -4433,8 +4325,8 @@
         </p:nvSpPr>
         <p:spPr>
           <a:xfrm>
-            <a:off x="1860886" y="4771315"/>
-            <a:ext cx="753977" cy="683001"/>
+            <a:off x="1860886" y="4771316"/>
+            <a:ext cx="782113" cy="725204"/>
           </a:xfrm>
           <a:custGeom>
             <a:avLst/>
@@ -4523,6 +4415,22 @@
               <a:gd name="connsiteY1" fmla="*/ 545431 h 818147"/>
               <a:gd name="connsiteX2" fmla="*/ 0 w 1058779"/>
               <a:gd name="connsiteY2" fmla="*/ 0 h 818147"/>
+              <a:gd name="connsiteX0" fmla="*/ 1058779 w 1058779"/>
+              <a:gd name="connsiteY0" fmla="*/ 818147 h 818147"/>
+              <a:gd name="connsiteX1" fmla="*/ 0 w 1058779"/>
+              <a:gd name="connsiteY1" fmla="*/ 0 h 818147"/>
+              <a:gd name="connsiteX0" fmla="*/ 1098289 w 1098289"/>
+              <a:gd name="connsiteY0" fmla="*/ 868701 h 868701"/>
+              <a:gd name="connsiteX1" fmla="*/ 0 w 1098289"/>
+              <a:gd name="connsiteY1" fmla="*/ 0 h 868701"/>
+              <a:gd name="connsiteX0" fmla="*/ 1098289 w 1098289"/>
+              <a:gd name="connsiteY0" fmla="*/ 868701 h 868701"/>
+              <a:gd name="connsiteX1" fmla="*/ 0 w 1098289"/>
+              <a:gd name="connsiteY1" fmla="*/ 0 h 868701"/>
+              <a:gd name="connsiteX0" fmla="*/ 1098289 w 1098289"/>
+              <a:gd name="connsiteY0" fmla="*/ 868701 h 868701"/>
+              <a:gd name="connsiteX1" fmla="*/ 0 w 1098289"/>
+              <a:gd name="connsiteY1" fmla="*/ 0 h 868701"/>
             </a:gdLst>
             <a:ahLst/>
             <a:cxnLst>
@@ -4532,24 +4440,16 @@
               <a:cxn ang="0">
                 <a:pos x="connsiteX1" y="connsiteY1"/>
               </a:cxn>
-              <a:cxn ang="0">
-                <a:pos x="connsiteX2" y="connsiteY2"/>
-              </a:cxn>
             </a:cxnLst>
             <a:rect l="l" t="t" r="r" b="b"/>
             <a:pathLst>
-              <a:path w="1058779" h="818147">
+              <a:path w="1098289" h="868701">
                 <a:moveTo>
-                  <a:pt x="1058779" y="818147"/>
+                  <a:pt x="1098289" y="868701"/>
                 </a:moveTo>
                 <a:cubicBezTo>
-                  <a:pt x="949157" y="691146"/>
-                  <a:pt x="818148" y="681789"/>
-                  <a:pt x="641685" y="545431"/>
-                </a:cubicBezTo>
-                <a:cubicBezTo>
-                  <a:pt x="465222" y="409073"/>
-                  <a:pt x="553451" y="430465"/>
+                  <a:pt x="475382" y="629687"/>
+                  <a:pt x="287077" y="407527"/>
                   <a:pt x="0" y="0"/>
                 </a:cubicBezTo>
               </a:path>
@@ -4591,7 +4491,7 @@
         <p:spPr>
           <a:xfrm>
             <a:off x="2951751" y="4578810"/>
-            <a:ext cx="1540040" cy="508829"/>
+            <a:ext cx="1540040" cy="475407"/>
           </a:xfrm>
           <a:custGeom>
             <a:avLst/>
@@ -4710,6 +4610,18 @@
               <a:gd name="connsiteY1" fmla="*/ 564648 h 609512"/>
               <a:gd name="connsiteX2" fmla="*/ 0 w 2162615"/>
               <a:gd name="connsiteY2" fmla="*/ 0 h 609512"/>
+              <a:gd name="connsiteX0" fmla="*/ 2162615 w 2162615"/>
+              <a:gd name="connsiteY0" fmla="*/ 568334 h 568334"/>
+              <a:gd name="connsiteX1" fmla="*/ 0 w 2162615"/>
+              <a:gd name="connsiteY1" fmla="*/ 0 h 568334"/>
+              <a:gd name="connsiteX0" fmla="*/ 2162615 w 2162615"/>
+              <a:gd name="connsiteY0" fmla="*/ 568334 h 568638"/>
+              <a:gd name="connsiteX1" fmla="*/ 0 w 2162615"/>
+              <a:gd name="connsiteY1" fmla="*/ 0 h 568638"/>
+              <a:gd name="connsiteX0" fmla="*/ 2162615 w 2162615"/>
+              <a:gd name="connsiteY0" fmla="*/ 568334 h 569477"/>
+              <a:gd name="connsiteX1" fmla="*/ 0 w 2162615"/>
+              <a:gd name="connsiteY1" fmla="*/ 0 h 569477"/>
             </a:gdLst>
             <a:ahLst/>
             <a:cxnLst>
@@ -4719,24 +4631,16 @@
               <a:cxn ang="0">
                 <a:pos x="connsiteX1" y="connsiteY1"/>
               </a:cxn>
-              <a:cxn ang="0">
-                <a:pos x="connsiteX2" y="connsiteY2"/>
-              </a:cxn>
             </a:cxnLst>
             <a:rect l="l" t="t" r="r" b="b"/>
             <a:pathLst>
-              <a:path w="2162615" h="609512">
+              <a:path w="2162615" h="569477">
                 <a:moveTo>
                   <a:pt x="2162615" y="568334"/>
                 </a:moveTo>
                 <a:cubicBezTo>
-                  <a:pt x="2052993" y="575848"/>
-                  <a:pt x="1272448" y="659370"/>
-                  <a:pt x="912012" y="564648"/>
-                </a:cubicBezTo>
-                <a:cubicBezTo>
-                  <a:pt x="551576" y="469926"/>
-                  <a:pt x="553451" y="430465"/>
+                  <a:pt x="1105913" y="581105"/>
+                  <a:pt x="641853" y="492768"/>
                   <a:pt x="0" y="0"/>
                 </a:cubicBezTo>
               </a:path>
@@ -4769,6 +4673,39 @@
           </a:p>
         </p:txBody>
       </p:sp>
+      <p:cxnSp>
+        <p:nvCxnSpPr>
+          <p:cNvPr id="5" name="Straight Arrow Connector 4"/>
+          <p:cNvCxnSpPr/>
+          <p:nvPr/>
+        </p:nvCxnSpPr>
+        <p:spPr>
+          <a:xfrm flipH="1">
+            <a:off x="6632620" y="2356834"/>
+            <a:ext cx="12879" cy="940158"/>
+          </a:xfrm>
+          <a:prstGeom prst="straightConnector1">
+            <a:avLst/>
+          </a:prstGeom>
+          <a:ln>
+            <a:tailEnd type="stealth" w="lg" len="lg"/>
+          </a:ln>
+        </p:spPr>
+        <p:style>
+          <a:lnRef idx="3">
+            <a:schemeClr val="dk1"/>
+          </a:lnRef>
+          <a:fillRef idx="0">
+            <a:schemeClr val="dk1"/>
+          </a:fillRef>
+          <a:effectRef idx="2">
+            <a:schemeClr val="dk1"/>
+          </a:effectRef>
+          <a:fontRef idx="minor">
+            <a:schemeClr val="tx1"/>
+          </a:fontRef>
+        </p:style>
+      </p:cxnSp>
     </p:spTree>
     <p:extLst>
       <p:ext uri="{BB962C8B-B14F-4D97-AF65-F5344CB8AC3E}">
@@ -4781,12 +4718,12 @@
   </p:clrMapOvr>
   <mc:AlternateContent xmlns:mc="http://schemas.openxmlformats.org/markup-compatibility/2006" xmlns:p14="http://schemas.microsoft.com/office/powerpoint/2010/main">
     <mc:Choice Requires="p14">
-      <p:transition spd="med" p14:dur="700">
+      <p:transition p14:dur="250">
         <p:fade/>
       </p:transition>
     </mc:Choice>
     <mc:Fallback xmlns="">
-      <p:transition spd="med">
+      <p:transition>
         <p:fade/>
       </p:transition>
     </mc:Fallback>
@@ -4915,12 +4852,12 @@
   </p:clrMapOvr>
   <mc:AlternateContent xmlns:mc="http://schemas.openxmlformats.org/markup-compatibility/2006" xmlns:p14="http://schemas.microsoft.com/office/powerpoint/2010/main">
     <mc:Choice Requires="p14">
-      <p:transition spd="med" p14:dur="700">
+      <p:transition p14:dur="250">
         <p:fade/>
       </p:transition>
     </mc:Choice>
     <mc:Fallback xmlns="">
-      <p:transition spd="med">
+      <p:transition>
         <p:fade/>
       </p:transition>
     </mc:Fallback>
@@ -5049,12 +4986,12 @@
   </p:clrMapOvr>
   <mc:AlternateContent xmlns:mc="http://schemas.openxmlformats.org/markup-compatibility/2006" xmlns:p14="http://schemas.microsoft.com/office/powerpoint/2010/main">
     <mc:Choice Requires="p14">
-      <p:transition spd="med" p14:dur="700">
+      <p:transition p14:dur="250">
         <p:fade/>
       </p:transition>
     </mc:Choice>
     <mc:Fallback xmlns="">
-      <p:transition spd="med">
+      <p:transition>
         <p:fade/>
       </p:transition>
     </mc:Fallback>
@@ -5183,12 +5120,12 @@
   </p:clrMapOvr>
   <mc:AlternateContent xmlns:mc="http://schemas.openxmlformats.org/markup-compatibility/2006" xmlns:p14="http://schemas.microsoft.com/office/powerpoint/2010/main">
     <mc:Choice Requires="p14">
-      <p:transition spd="med" p14:dur="700">
+      <p:transition p14:dur="250">
         <p:fade/>
       </p:transition>
     </mc:Choice>
     <mc:Fallback xmlns="">
-      <p:transition spd="med">
+      <p:transition>
         <p:fade/>
       </p:transition>
     </mc:Fallback>
@@ -5317,12 +5254,12 @@
   </p:clrMapOvr>
   <mc:AlternateContent xmlns:mc="http://schemas.openxmlformats.org/markup-compatibility/2006" xmlns:p14="http://schemas.microsoft.com/office/powerpoint/2010/main">
     <mc:Choice Requires="p14">
-      <p:transition spd="med" p14:dur="700">
+      <p:transition p14:dur="250">
         <p:fade/>
       </p:transition>
     </mc:Choice>
     <mc:Fallback xmlns="">
-      <p:transition spd="med">
+      <p:transition>
         <p:fade/>
       </p:transition>
     </mc:Fallback>
@@ -5451,12 +5388,12 @@
   </p:clrMapOvr>
   <mc:AlternateContent xmlns:mc="http://schemas.openxmlformats.org/markup-compatibility/2006" xmlns:p14="http://schemas.microsoft.com/office/powerpoint/2010/main">
     <mc:Choice Requires="p14">
-      <p:transition spd="med" p14:dur="700">
+      <p:transition p14:dur="250">
         <p:fade/>
       </p:transition>
     </mc:Choice>
     <mc:Fallback xmlns="">
-      <p:transition spd="med">
+      <p:transition>
         <p:fade/>
       </p:transition>
     </mc:Fallback>
@@ -5585,12 +5522,12 @@
   </p:clrMapOvr>
   <mc:AlternateContent xmlns:mc="http://schemas.openxmlformats.org/markup-compatibility/2006" xmlns:p14="http://schemas.microsoft.com/office/powerpoint/2010/main">
     <mc:Choice Requires="p14">
-      <p:transition spd="med" p14:dur="700">
+      <p:transition p14:dur="250">
         <p:fade/>
       </p:transition>
     </mc:Choice>
     <mc:Fallback xmlns="">
-      <p:transition spd="med">
+      <p:transition>
         <p:fade/>
       </p:transition>
     </mc:Fallback>
